--- a/Inception/CateringServices_InceptionPresentation_v1.pptx
+++ b/Inception/CateringServices_InceptionPresentation_v1.pptx
@@ -5,23 +5,21 @@
     <p:sldMasterId id="2147483660" r:id="rId1"/>
   </p:sldMasterIdLst>
   <p:notesMasterIdLst>
-    <p:notesMasterId r:id="rId16"/>
+    <p:notesMasterId r:id="rId14"/>
   </p:notesMasterIdLst>
   <p:sldIdLst>
     <p:sldId id="256" r:id="rId2"/>
     <p:sldId id="300" r:id="rId3"/>
     <p:sldId id="293" r:id="rId4"/>
-    <p:sldId id="260" r:id="rId5"/>
-    <p:sldId id="307" r:id="rId6"/>
-    <p:sldId id="311" r:id="rId7"/>
-    <p:sldId id="261" r:id="rId8"/>
-    <p:sldId id="290" r:id="rId9"/>
-    <p:sldId id="289" r:id="rId10"/>
-    <p:sldId id="268" r:id="rId11"/>
-    <p:sldId id="316" r:id="rId12"/>
-    <p:sldId id="305" r:id="rId13"/>
-    <p:sldId id="320" r:id="rId14"/>
-    <p:sldId id="321" r:id="rId15"/>
+    <p:sldId id="322" r:id="rId5"/>
+    <p:sldId id="261" r:id="rId6"/>
+    <p:sldId id="307" r:id="rId7"/>
+    <p:sldId id="290" r:id="rId8"/>
+    <p:sldId id="268" r:id="rId9"/>
+    <p:sldId id="316" r:id="rId10"/>
+    <p:sldId id="305" r:id="rId11"/>
+    <p:sldId id="320" r:id="rId12"/>
+    <p:sldId id="321" r:id="rId13"/>
   </p:sldIdLst>
   <p:sldSz cx="9144000" cy="6858000" type="screen4x3"/>
   <p:notesSz cx="6858000" cy="9144000"/>
@@ -260,7 +258,7 @@
               <a:pPr>
                 <a:defRPr/>
               </a:pPr>
-              <a:t>7/4/2018</a:t>
+              <a:t>7/6/2018</a:t>
             </a:fld>
             <a:endParaRPr lang="en-US" dirty="0"/>
           </a:p>
@@ -296,7 +294,7 @@
           <a:lstStyle/>
           <a:p>
             <a:pPr lvl="0"/>
-            <a:endParaRPr lang="en-US" noProof="0" dirty="0" smtClean="0"/>
+            <a:endParaRPr lang="en-US" noProof="0" dirty="0"/>
           </a:p>
         </p:txBody>
       </p:sp>
@@ -327,35 +325,35 @@
           <a:p>
             <a:pPr lvl="0"/>
             <a:r>
-              <a:rPr lang="en-US" noProof="0" smtClean="0"/>
+              <a:rPr lang="en-US" noProof="0"/>
               <a:t>Click to edit Master text styles</a:t>
             </a:r>
           </a:p>
           <a:p>
             <a:pPr lvl="1"/>
             <a:r>
-              <a:rPr lang="en-US" noProof="0" smtClean="0"/>
+              <a:rPr lang="en-US" noProof="0"/>
               <a:t>Second level</a:t>
             </a:r>
           </a:p>
           <a:p>
             <a:pPr lvl="2"/>
             <a:r>
-              <a:rPr lang="en-US" noProof="0" smtClean="0"/>
+              <a:rPr lang="en-US" noProof="0"/>
               <a:t>Third level</a:t>
             </a:r>
           </a:p>
           <a:p>
             <a:pPr lvl="3"/>
             <a:r>
-              <a:rPr lang="en-US" noProof="0" smtClean="0"/>
+              <a:rPr lang="en-US" noProof="0"/>
               <a:t>Fourth level</a:t>
             </a:r>
           </a:p>
           <a:p>
             <a:pPr lvl="4"/>
             <a:r>
-              <a:rPr lang="en-US" noProof="0" smtClean="0"/>
+              <a:rPr lang="en-US" noProof="0"/>
               <a:t>Fifth level</a:t>
             </a:r>
           </a:p>
@@ -675,7 +673,7 @@
           </a:lstStyle>
           <a:p>
             <a:r>
-              <a:rPr lang="en-US" smtClean="0"/>
+              <a:rPr lang="en-US"/>
               <a:t>Click to edit Master title style</a:t>
             </a:r>
             <a:endParaRPr lang="en-US" dirty="0"/>
@@ -801,7 +799,7 @@
           </a:lstStyle>
           <a:p>
             <a:r>
-              <a:rPr lang="en-US" smtClean="0"/>
+              <a:rPr lang="en-US"/>
               <a:t>Click to edit Master subtitle style</a:t>
             </a:r>
             <a:endParaRPr lang="en-US" dirty="0"/>
@@ -1145,7 +1143,7 @@
           <a:p>
             <a:pPr lvl="0"/>
             <a:r>
-              <a:rPr lang="en-US" smtClean="0"/>
+              <a:rPr lang="en-US"/>
               <a:t>Click to edit Master text styles</a:t>
             </a:r>
           </a:p>
@@ -1235,7 +1233,7 @@
           <a:p>
             <a:pPr lvl="0"/>
             <a:r>
-              <a:rPr lang="en-US" smtClean="0"/>
+              <a:rPr lang="en-US"/>
               <a:t>Click to edit Master text styles</a:t>
             </a:r>
           </a:p>
@@ -1276,7 +1274,7 @@
           </a:lstStyle>
           <a:p>
             <a:r>
-              <a:rPr lang="en-US" smtClean="0"/>
+              <a:rPr lang="en-US"/>
               <a:t>Click to edit Master title style</a:t>
             </a:r>
             <a:endParaRPr lang="en-US" dirty="0"/>
@@ -1387,7 +1385,7 @@
           <a:p>
             <a:pPr lvl="0"/>
             <a:r>
-              <a:rPr lang="en-US" smtClean="0"/>
+              <a:rPr lang="en-US"/>
               <a:t>Click to edit Master text styles</a:t>
             </a:r>
           </a:p>
@@ -1471,7 +1469,7 @@
           <a:p>
             <a:pPr lvl="0"/>
             <a:r>
-              <a:rPr lang="en-US" smtClean="0"/>
+              <a:rPr lang="en-US"/>
               <a:t>Click to edit Master text styles</a:t>
             </a:r>
           </a:p>
@@ -1561,7 +1559,7 @@
           <a:p>
             <a:pPr lvl="0"/>
             <a:r>
-              <a:rPr lang="en-US" smtClean="0"/>
+              <a:rPr lang="en-US"/>
               <a:t>Click to edit Master text styles</a:t>
             </a:r>
           </a:p>
@@ -1645,7 +1643,7 @@
           <a:p>
             <a:pPr lvl="0"/>
             <a:r>
-              <a:rPr lang="en-US" smtClean="0"/>
+              <a:rPr lang="en-US"/>
               <a:t>Click to edit Master text styles</a:t>
             </a:r>
           </a:p>
@@ -1735,7 +1733,7 @@
           <a:p>
             <a:pPr lvl="0"/>
             <a:r>
-              <a:rPr lang="en-US" smtClean="0"/>
+              <a:rPr lang="en-US"/>
               <a:t>Click to edit Master text styles</a:t>
             </a:r>
           </a:p>
@@ -1927,7 +1925,7 @@
           </a:lstStyle>
           <a:p>
             <a:r>
-              <a:rPr lang="en-US" smtClean="0"/>
+              <a:rPr lang="en-US"/>
               <a:t>Click to edit Master title style</a:t>
             </a:r>
             <a:endParaRPr lang="en-US" dirty="0"/>
@@ -2275,7 +2273,7 @@
           <a:p>
             <a:pPr lvl="0"/>
             <a:r>
-              <a:rPr lang="en-US" smtClean="0"/>
+              <a:rPr lang="en-US"/>
               <a:t>Click to edit Master text styles</a:t>
             </a:r>
           </a:p>
@@ -2365,7 +2363,7 @@
           <a:p>
             <a:pPr lvl="0"/>
             <a:r>
-              <a:rPr lang="en-US" smtClean="0"/>
+              <a:rPr lang="en-US"/>
               <a:t>Click to edit Master text styles</a:t>
             </a:r>
           </a:p>
@@ -2455,7 +2453,7 @@
           <a:p>
             <a:pPr lvl="0"/>
             <a:r>
-              <a:rPr lang="en-US" smtClean="0"/>
+              <a:rPr lang="en-US"/>
               <a:t>Click to edit Master text styles</a:t>
             </a:r>
           </a:p>
@@ -2525,7 +2523,7 @@
           <a:p>
             <a:pPr lvl="0"/>
             <a:r>
-              <a:rPr lang="en-US" smtClean="0"/>
+              <a:rPr lang="en-US"/>
               <a:t>Click to edit Master text styles</a:t>
             </a:r>
           </a:p>
@@ -2595,7 +2593,7 @@
           <a:p>
             <a:pPr lvl="0"/>
             <a:r>
-              <a:rPr lang="en-US" smtClean="0"/>
+              <a:rPr lang="en-US"/>
               <a:t>Click to edit Master text styles</a:t>
             </a:r>
           </a:p>
@@ -2665,7 +2663,7 @@
           <a:p>
             <a:pPr lvl="0"/>
             <a:r>
-              <a:rPr lang="en-US" smtClean="0"/>
+              <a:rPr lang="en-US"/>
               <a:t>Click to edit Master text styles</a:t>
             </a:r>
           </a:p>
@@ -2733,7 +2731,7 @@
           <a:p>
             <a:pPr lvl="0"/>
             <a:r>
-              <a:rPr lang="en-US" smtClean="0"/>
+              <a:rPr lang="en-US"/>
               <a:t>Click to edit Master text styles</a:t>
             </a:r>
           </a:p>
@@ -2801,7 +2799,7 @@
           <a:p>
             <a:pPr lvl="0"/>
             <a:r>
-              <a:rPr lang="en-US" smtClean="0"/>
+              <a:rPr lang="en-US"/>
               <a:t>Click to edit Master text styles</a:t>
             </a:r>
           </a:p>
@@ -2869,7 +2867,7 @@
           <a:p>
             <a:pPr lvl="0"/>
             <a:r>
-              <a:rPr lang="en-US" smtClean="0"/>
+              <a:rPr lang="en-US"/>
               <a:t>Click to edit Master text styles</a:t>
             </a:r>
           </a:p>
@@ -2910,7 +2908,7 @@
           </a:lstStyle>
           <a:p>
             <a:r>
-              <a:rPr lang="en-US" smtClean="0"/>
+              <a:rPr lang="en-US"/>
               <a:t>Click to edit Master title style</a:t>
             </a:r>
             <a:endParaRPr lang="en-US" dirty="0"/>
@@ -3330,7 +3328,7 @@
           <a:p>
             <a:pPr lvl="0"/>
             <a:r>
-              <a:rPr lang="en-US" smtClean="0"/>
+              <a:rPr lang="en-US"/>
               <a:t>Click to edit Master text styles</a:t>
             </a:r>
           </a:p>
@@ -3420,7 +3418,7 @@
           <a:p>
             <a:pPr lvl="0"/>
             <a:r>
-              <a:rPr lang="en-US" smtClean="0"/>
+              <a:rPr lang="en-US"/>
               <a:t>Click to edit Master text styles</a:t>
             </a:r>
           </a:p>
@@ -3510,7 +3508,7 @@
           <a:p>
             <a:pPr lvl="0"/>
             <a:r>
-              <a:rPr lang="en-US" smtClean="0"/>
+              <a:rPr lang="en-US"/>
               <a:t>Click to edit Master text styles</a:t>
             </a:r>
           </a:p>
@@ -3594,7 +3592,7 @@
           <a:p>
             <a:pPr lvl="0"/>
             <a:r>
-              <a:rPr lang="en-US" smtClean="0"/>
+              <a:rPr lang="en-US"/>
               <a:t>Click to edit Master text styles</a:t>
             </a:r>
           </a:p>
@@ -3684,7 +3682,7 @@
           <a:p>
             <a:pPr lvl="0"/>
             <a:r>
-              <a:rPr lang="en-US" smtClean="0"/>
+              <a:rPr lang="en-US"/>
               <a:t>Click to edit Master text styles</a:t>
             </a:r>
           </a:p>
@@ -3774,7 +3772,7 @@
           <a:p>
             <a:pPr lvl="0"/>
             <a:r>
-              <a:rPr lang="en-US" smtClean="0"/>
+              <a:rPr lang="en-US"/>
               <a:t>Click to edit Master text styles</a:t>
             </a:r>
           </a:p>
@@ -3844,7 +3842,7 @@
           <a:p>
             <a:pPr lvl="0"/>
             <a:r>
-              <a:rPr lang="en-US" smtClean="0"/>
+              <a:rPr lang="en-US"/>
               <a:t>Click to edit Master text styles</a:t>
             </a:r>
           </a:p>
@@ -3914,7 +3912,7 @@
           <a:p>
             <a:pPr lvl="0"/>
             <a:r>
-              <a:rPr lang="en-US" smtClean="0"/>
+              <a:rPr lang="en-US"/>
               <a:t>Click to edit Master text styles</a:t>
             </a:r>
           </a:p>
@@ -3984,7 +3982,7 @@
           <a:p>
             <a:pPr lvl="0"/>
             <a:r>
-              <a:rPr lang="en-US" smtClean="0"/>
+              <a:rPr lang="en-US"/>
               <a:t>Click to edit Master text styles</a:t>
             </a:r>
           </a:p>
@@ -4054,7 +4052,7 @@
           <a:p>
             <a:pPr lvl="0"/>
             <a:r>
-              <a:rPr lang="en-US" smtClean="0"/>
+              <a:rPr lang="en-US"/>
               <a:t>Click to edit Master text styles</a:t>
             </a:r>
           </a:p>
@@ -4124,7 +4122,7 @@
           <a:p>
             <a:pPr lvl="0"/>
             <a:r>
-              <a:rPr lang="en-US" smtClean="0"/>
+              <a:rPr lang="en-US"/>
               <a:t>Click to edit Master text styles</a:t>
             </a:r>
           </a:p>
@@ -4194,7 +4192,7 @@
           <a:p>
             <a:pPr lvl="0"/>
             <a:r>
-              <a:rPr lang="en-US" smtClean="0"/>
+              <a:rPr lang="en-US"/>
               <a:t>Click to edit Master text styles</a:t>
             </a:r>
           </a:p>
@@ -4262,7 +4260,7 @@
           <a:p>
             <a:pPr lvl="0"/>
             <a:r>
-              <a:rPr lang="en-US" smtClean="0"/>
+              <a:rPr lang="en-US"/>
               <a:t>Click to edit Master text styles</a:t>
             </a:r>
           </a:p>
@@ -4330,7 +4328,7 @@
           <a:p>
             <a:pPr lvl="0"/>
             <a:r>
-              <a:rPr lang="en-US" smtClean="0"/>
+              <a:rPr lang="en-US"/>
               <a:t>Click to edit Master text styles</a:t>
             </a:r>
           </a:p>
@@ -4398,7 +4396,7 @@
           <a:p>
             <a:pPr lvl="0"/>
             <a:r>
-              <a:rPr lang="en-US" smtClean="0"/>
+              <a:rPr lang="en-US"/>
               <a:t>Click to edit Master text styles</a:t>
             </a:r>
           </a:p>
@@ -4466,7 +4464,7 @@
           <a:p>
             <a:pPr lvl="0"/>
             <a:r>
-              <a:rPr lang="en-US" smtClean="0"/>
+              <a:rPr lang="en-US"/>
               <a:t>Click to edit Master text styles</a:t>
             </a:r>
           </a:p>
@@ -4534,7 +4532,7 @@
           <a:p>
             <a:pPr lvl="0"/>
             <a:r>
-              <a:rPr lang="en-US" smtClean="0"/>
+              <a:rPr lang="en-US"/>
               <a:t>Click to edit Master text styles</a:t>
             </a:r>
           </a:p>
@@ -4602,7 +4600,7 @@
           <a:p>
             <a:pPr lvl="0"/>
             <a:r>
-              <a:rPr lang="en-US" smtClean="0"/>
+              <a:rPr lang="en-US"/>
               <a:t>Click to edit Master text styles</a:t>
             </a:r>
           </a:p>
@@ -4643,7 +4641,7 @@
           </a:lstStyle>
           <a:p>
             <a:r>
-              <a:rPr lang="en-US" smtClean="0"/>
+              <a:rPr lang="en-US"/>
               <a:t>Click to edit Master title style</a:t>
             </a:r>
             <a:endParaRPr lang="en-US" dirty="0"/>
@@ -4931,7 +4929,7 @@
               </a:pPr>
               <a:t>‹#›</a:t>
             </a:fld>
-            <a:endParaRPr lang="en-US" sz="1000" dirty="0" smtClean="0">
+            <a:endParaRPr lang="en-US" sz="1000" dirty="0">
               <a:solidFill>
                 <a:srgbClr val="FFFFFF"/>
               </a:solidFill>
@@ -5190,7 +5188,7 @@
               </a:pPr>
               <a:t>‹#›</a:t>
             </a:fld>
-            <a:endParaRPr lang="en-US" sz="1000" dirty="0" smtClean="0">
+            <a:endParaRPr lang="en-US" sz="1000" dirty="0">
               <a:solidFill>
                 <a:srgbClr val="FFFFFF"/>
               </a:solidFill>
@@ -5449,7 +5447,7 @@
               </a:pPr>
               <a:t>‹#›</a:t>
             </a:fld>
-            <a:endParaRPr lang="en-US" sz="1000" dirty="0" smtClean="0">
+            <a:endParaRPr lang="en-US" sz="1000" dirty="0">
               <a:solidFill>
                 <a:srgbClr val="FFFFFF"/>
               </a:solidFill>
@@ -5543,10 +5541,9 @@
           </a:lstStyle>
           <a:p>
             <a:r>
-              <a:rPr lang="en-US" dirty="0" smtClean="0"/>
+              <a:rPr lang="en-US" dirty="0"/>
               <a:t>Click to edit Master title style</a:t>
             </a:r>
-            <a:endParaRPr lang="en-US" dirty="0"/>
           </a:p>
         </p:txBody>
       </p:sp>
@@ -5834,7 +5831,7 @@
           </a:lstStyle>
           <a:p>
             <a:r>
-              <a:rPr lang="en-US" smtClean="0"/>
+              <a:rPr lang="en-US"/>
               <a:t>Click to edit Master title style</a:t>
             </a:r>
             <a:endParaRPr lang="en-US" dirty="0"/>
@@ -5969,35 +5966,35 @@
           <a:p>
             <a:pPr lvl="0"/>
             <a:r>
-              <a:rPr lang="en-US" smtClean="0"/>
+              <a:rPr lang="en-US"/>
               <a:t>Click to edit Master text styles</a:t>
             </a:r>
           </a:p>
           <a:p>
             <a:pPr lvl="1"/>
             <a:r>
-              <a:rPr lang="en-US" smtClean="0"/>
+              <a:rPr lang="en-US"/>
               <a:t>Second level</a:t>
             </a:r>
           </a:p>
           <a:p>
             <a:pPr lvl="2"/>
             <a:r>
-              <a:rPr lang="en-US" smtClean="0"/>
+              <a:rPr lang="en-US"/>
               <a:t>Third level</a:t>
             </a:r>
           </a:p>
           <a:p>
             <a:pPr lvl="3"/>
             <a:r>
-              <a:rPr lang="en-US" smtClean="0"/>
+              <a:rPr lang="en-US"/>
               <a:t>Fourth level</a:t>
             </a:r>
           </a:p>
           <a:p>
             <a:pPr lvl="4"/>
             <a:r>
-              <a:rPr lang="en-US" smtClean="0"/>
+              <a:rPr lang="en-US"/>
               <a:t>Fifth level</a:t>
             </a:r>
             <a:endParaRPr lang="en-US" dirty="0"/>
@@ -6230,7 +6227,7 @@
           </a:lstStyle>
           <a:p>
             <a:r>
-              <a:rPr lang="en-US" smtClean="0"/>
+              <a:rPr lang="en-US"/>
               <a:t>Click to edit Master title style</a:t>
             </a:r>
             <a:endParaRPr lang="en-US" dirty="0"/>
@@ -6356,7 +6353,7 @@
           </a:lstStyle>
           <a:p>
             <a:r>
-              <a:rPr lang="en-US" smtClean="0"/>
+              <a:rPr lang="en-US"/>
               <a:t>Click to edit Master subtitle style</a:t>
             </a:r>
             <a:endParaRPr lang="en-US" dirty="0"/>
@@ -6695,7 +6692,7 @@
           </a:lstStyle>
           <a:p>
             <a:r>
-              <a:rPr lang="en-US" smtClean="0"/>
+              <a:rPr lang="en-US"/>
               <a:t>Click to edit Master title style</a:t>
             </a:r>
             <a:endParaRPr lang="en-US" dirty="0"/>
@@ -6821,7 +6818,7 @@
           </a:lstStyle>
           <a:p>
             <a:r>
-              <a:rPr lang="en-US" smtClean="0"/>
+              <a:rPr lang="en-US"/>
               <a:t>Click to edit Master subtitle style</a:t>
             </a:r>
             <a:endParaRPr lang="en-US" dirty="0"/>
@@ -7160,7 +7157,7 @@
           </a:lstStyle>
           <a:p>
             <a:r>
-              <a:rPr lang="en-US" smtClean="0"/>
+              <a:rPr lang="en-US"/>
               <a:t>Click to edit Master title style</a:t>
             </a:r>
             <a:endParaRPr lang="en-US" dirty="0"/>
@@ -7286,7 +7283,7 @@
           </a:lstStyle>
           <a:p>
             <a:r>
-              <a:rPr lang="en-US" smtClean="0"/>
+              <a:rPr lang="en-US"/>
               <a:t>Click to edit Master subtitle style</a:t>
             </a:r>
             <a:endParaRPr lang="en-US" dirty="0"/>
@@ -7625,7 +7622,7 @@
           </a:lstStyle>
           <a:p>
             <a:r>
-              <a:rPr lang="en-US" smtClean="0"/>
+              <a:rPr lang="en-US"/>
               <a:t>Click to edit Master title style</a:t>
             </a:r>
             <a:endParaRPr lang="en-US" dirty="0"/>
@@ -7751,7 +7748,7 @@
           </a:lstStyle>
           <a:p>
             <a:r>
-              <a:rPr lang="en-US" smtClean="0"/>
+              <a:rPr lang="en-US"/>
               <a:t>Click to edit Master subtitle style</a:t>
             </a:r>
             <a:endParaRPr lang="en-US" dirty="0"/>
@@ -8090,7 +8087,7 @@
           </a:lstStyle>
           <a:p>
             <a:r>
-              <a:rPr lang="en-US" smtClean="0"/>
+              <a:rPr lang="en-US"/>
               <a:t>Click to edit Master title style</a:t>
             </a:r>
             <a:endParaRPr lang="en-US" dirty="0"/>
@@ -8216,7 +8213,7 @@
           </a:lstStyle>
           <a:p>
             <a:r>
-              <a:rPr lang="en-US" smtClean="0"/>
+              <a:rPr lang="en-US"/>
               <a:t>Click to edit Master subtitle style</a:t>
             </a:r>
             <a:endParaRPr lang="en-US" dirty="0"/>
@@ -8409,7 +8406,7 @@
           </a:lstStyle>
           <a:p>
             <a:r>
-              <a:rPr lang="en-US" smtClean="0"/>
+              <a:rPr lang="en-US"/>
               <a:t>Click to edit Master title style</a:t>
             </a:r>
             <a:endParaRPr lang="en-US" dirty="0"/>
@@ -8544,35 +8541,35 @@
           <a:p>
             <a:pPr lvl="0"/>
             <a:r>
-              <a:rPr lang="en-US" smtClean="0"/>
+              <a:rPr lang="en-US"/>
               <a:t>Click to edit Master text styles</a:t>
             </a:r>
           </a:p>
           <a:p>
             <a:pPr lvl="1"/>
             <a:r>
-              <a:rPr lang="en-US" smtClean="0"/>
+              <a:rPr lang="en-US"/>
               <a:t>Second level</a:t>
             </a:r>
           </a:p>
           <a:p>
             <a:pPr lvl="2"/>
             <a:r>
-              <a:rPr lang="en-US" smtClean="0"/>
+              <a:rPr lang="en-US"/>
               <a:t>Third level</a:t>
             </a:r>
           </a:p>
           <a:p>
             <a:pPr lvl="3"/>
             <a:r>
-              <a:rPr lang="en-US" smtClean="0"/>
+              <a:rPr lang="en-US"/>
               <a:t>Fourth level</a:t>
             </a:r>
           </a:p>
           <a:p>
             <a:pPr lvl="4"/>
             <a:r>
-              <a:rPr lang="en-US" smtClean="0"/>
+              <a:rPr lang="en-US"/>
               <a:t>Fifth level</a:t>
             </a:r>
             <a:endParaRPr lang="en-US" dirty="0"/>
@@ -8765,7 +8762,7 @@
           </a:lstStyle>
           <a:p>
             <a:r>
-              <a:rPr lang="en-US" smtClean="0"/>
+              <a:rPr lang="en-US"/>
               <a:t>Click to edit Master title style</a:t>
             </a:r>
             <a:endParaRPr lang="en-US" dirty="0"/>
@@ -8899,35 +8896,35 @@
           <a:p>
             <a:pPr lvl="0"/>
             <a:r>
-              <a:rPr lang="en-US" smtClean="0"/>
+              <a:rPr lang="en-US"/>
               <a:t>Click to edit Master text styles</a:t>
             </a:r>
           </a:p>
           <a:p>
             <a:pPr lvl="1"/>
             <a:r>
-              <a:rPr lang="en-US" smtClean="0"/>
+              <a:rPr lang="en-US"/>
               <a:t>Second level</a:t>
             </a:r>
           </a:p>
           <a:p>
             <a:pPr lvl="2"/>
             <a:r>
-              <a:rPr lang="en-US" smtClean="0"/>
+              <a:rPr lang="en-US"/>
               <a:t>Third level</a:t>
             </a:r>
           </a:p>
           <a:p>
             <a:pPr lvl="3"/>
             <a:r>
-              <a:rPr lang="en-US" smtClean="0"/>
+              <a:rPr lang="en-US"/>
               <a:t>Fourth level</a:t>
             </a:r>
           </a:p>
           <a:p>
             <a:pPr lvl="4"/>
             <a:r>
-              <a:rPr lang="en-US" smtClean="0"/>
+              <a:rPr lang="en-US"/>
               <a:t>Fifth level</a:t>
             </a:r>
             <a:endParaRPr lang="en-US" dirty="0"/>
@@ -9038,7 +9035,7 @@
           <a:p>
             <a:pPr lvl="0"/>
             <a:r>
-              <a:rPr lang="en-US" smtClean="0"/>
+              <a:rPr lang="en-US"/>
               <a:t>Click to edit Master text styles</a:t>
             </a:r>
           </a:p>
@@ -9345,7 +9342,7 @@
           <a:p>
             <a:pPr lvl="0"/>
             <a:r>
-              <a:rPr lang="en-US" smtClean="0"/>
+              <a:rPr lang="en-US"/>
               <a:t>Click to edit Master text styles</a:t>
             </a:r>
           </a:p>
@@ -9435,7 +9432,7 @@
           <a:p>
             <a:pPr lvl="0"/>
             <a:r>
-              <a:rPr lang="en-US" smtClean="0"/>
+              <a:rPr lang="en-US"/>
               <a:t>Click to edit Master text styles</a:t>
             </a:r>
           </a:p>
@@ -9476,7 +9473,7 @@
           </a:lstStyle>
           <a:p>
             <a:r>
-              <a:rPr lang="en-US" smtClean="0"/>
+              <a:rPr lang="en-US"/>
               <a:t>Click to edit Master title style</a:t>
             </a:r>
             <a:endParaRPr lang="en-US" dirty="0"/>
@@ -9587,7 +9584,7 @@
           <a:p>
             <a:pPr lvl="0"/>
             <a:r>
-              <a:rPr lang="en-US" smtClean="0"/>
+              <a:rPr lang="en-US"/>
               <a:t>Click to edit Master text styles</a:t>
             </a:r>
           </a:p>
@@ -9671,7 +9668,7 @@
           <a:p>
             <a:pPr lvl="0"/>
             <a:r>
-              <a:rPr lang="en-US" smtClean="0"/>
+              <a:rPr lang="en-US"/>
               <a:t>Click to edit Master text styles</a:t>
             </a:r>
           </a:p>
@@ -9761,7 +9758,7 @@
           <a:p>
             <a:pPr lvl="0"/>
             <a:r>
-              <a:rPr lang="en-US" smtClean="0"/>
+              <a:rPr lang="en-US"/>
               <a:t>Click to edit Master text styles</a:t>
             </a:r>
           </a:p>
@@ -9824,13 +9821,6 @@
     <p:sldLayoutId id="2147483860" r:id="rId15"/>
   </p:sldLayoutIdLst>
   <p:transition/>
-  <p:timing>
-    <p:tnLst>
-      <p:par>
-        <p:cTn id="1" dur="indefinite" restart="never" nodeType="tmRoot"/>
-      </p:par>
-    </p:tnLst>
-  </p:timing>
   <p:txStyles>
     <p:titleStyle>
       <a:lvl1pPr algn="r" defTabSz="455613" rtl="0" eaLnBrk="0" fontAlgn="base" hangingPunct="0">
@@ -10280,21 +10270,16 @@
               <a:defRPr/>
             </a:pPr>
             <a:r>
-              <a:rPr lang="en-US" sz="2800" dirty="0" smtClean="0"/>
-              <a:t>Onboarding</a:t>
-            </a:r>
-            <a:r>
-              <a:rPr lang="en-US" sz="6000" dirty="0" smtClean="0"/>
-              <a:t/>
+              <a:rPr lang="en-US" sz="2800" dirty="0"/>
+              <a:t>Catering Services</a:t>
             </a:r>
             <a:br>
-              <a:rPr lang="en-US" sz="6000" dirty="0" smtClean="0"/>
+              <a:rPr lang="en-US" sz="6000" dirty="0"/>
             </a:br>
             <a:r>
-              <a:rPr lang="en-US" sz="2800" dirty="0" smtClean="0"/>
+              <a:rPr lang="en-US" sz="2800" dirty="0"/>
               <a:t>Inception</a:t>
             </a:r>
-            <a:endParaRPr lang="en-US" sz="2800" dirty="0"/>
           </a:p>
         </p:txBody>
       </p:sp>
@@ -10322,7 +10307,7 @@
               <a:defRPr/>
             </a:pPr>
             <a:r>
-              <a:rPr lang="en-US" dirty="0" smtClean="0"/>
+              <a:rPr lang="en-US" dirty="0"/>
               <a:t>Review, Scope, Architecture, Release Plan</a:t>
             </a:r>
           </a:p>
@@ -10342,8 +10327,8 @@
         </p:nvSpPr>
         <p:spPr>
           <a:xfrm>
-            <a:off x="5710094" y="4572000"/>
-            <a:ext cx="1787669" cy="369332"/>
+            <a:off x="6069166" y="4572000"/>
+            <a:ext cx="1428597" cy="369332"/>
           </a:xfrm>
           <a:prstGeom prst="rect">
             <a:avLst/>
@@ -10365,7 +10350,7 @@
               <a:defRPr/>
             </a:pPr>
             <a:r>
-              <a:rPr lang="en-US" dirty="0" smtClean="0">
+              <a:rPr lang="en-US" dirty="0">
                 <a:solidFill>
                   <a:schemeClr val="accent3"/>
                 </a:solidFill>
@@ -10373,10 +10358,10 @@
                 <a:ea typeface="ＭＳ Ｐゴシック" pitchFamily="-65" charset="-128"/>
                 <a:cs typeface="Arial Bold"/>
               </a:rPr>
-              <a:t>March 22,</a:t>
-            </a:r>
-            <a:r>
-              <a:rPr lang="en-US" dirty="0" smtClean="0">
+              <a:t>July 2,</a:t>
+            </a:r>
+            <a:r>
+              <a:rPr lang="en-US" dirty="0">
                 <a:solidFill>
                   <a:srgbClr val="AFBD22"/>
                 </a:solidFill>
@@ -10385,7 +10370,7 @@
               <a:t> </a:t>
             </a:r>
             <a:r>
-              <a:rPr lang="en-US" dirty="0" smtClean="0">
+              <a:rPr lang="en-US" dirty="0">
                 <a:solidFill>
                   <a:schemeClr val="accent3"/>
                 </a:solidFill>
@@ -10393,16 +10378,8 @@
                 <a:ea typeface="ＭＳ Ｐゴシック" pitchFamily="-65" charset="-128"/>
                 <a:cs typeface="Arial Bold"/>
               </a:rPr>
-              <a:t>2016</a:t>
-            </a:r>
-            <a:endParaRPr lang="en-US" dirty="0">
-              <a:solidFill>
-                <a:schemeClr val="accent3"/>
-              </a:solidFill>
-              <a:latin typeface="+mn-lt"/>
-              <a:ea typeface="ＭＳ Ｐゴシック" pitchFamily="-65" charset="-128"/>
-              <a:cs typeface="Arial Bold"/>
-            </a:endParaRPr>
+              <a:t>2018</a:t>
+            </a:r>
           </a:p>
         </p:txBody>
       </p:sp>
@@ -10412,13 +10389,6 @@
     <a:masterClrMapping/>
   </p:clrMapOvr>
   <p:transition/>
-  <p:timing>
-    <p:tnLst>
-      <p:par>
-        <p:cTn id="1" dur="indefinite" restart="never" nodeType="tmRoot"/>
-      </p:par>
-    </p:tnLst>
-  </p:timing>
 </p:sld>
 </file>
 
@@ -10463,565 +10433,53 @@
               <a:defRPr/>
             </a:pPr>
             <a:r>
-              <a:rPr lang="en-US" dirty="0" smtClean="0"/>
-              <a:t>Epics </a:t>
-            </a:r>
-            <a:r>
-              <a:rPr lang="en-US" dirty="0" smtClean="0"/>
-              <a:t>– Iterations Plan</a:t>
-            </a:r>
-            <a:endParaRPr lang="en-US" dirty="0"/>
+              <a:rPr lang="en-US" dirty="0"/>
+              <a:t>Timeframe - Releases Plan</a:t>
+            </a:r>
           </a:p>
         </p:txBody>
       </p:sp>
-      <p:sp>
-        <p:nvSpPr>
-          <p:cNvPr id="3" name="Subtitle 2"/>
-          <p:cNvSpPr>
-            <a:spLocks noGrp="1"/>
-          </p:cNvSpPr>
-          <p:nvPr>
-            <p:ph type="body" sz="quarter" idx="13"/>
-          </p:nvPr>
-        </p:nvSpPr>
+      <p:pic>
+        <p:nvPicPr>
+          <p:cNvPr id="4" name="Picture 3">
+            <a:extLst>
+              <a:ext uri="{FF2B5EF4-FFF2-40B4-BE49-F238E27FC236}">
+                <a16:creationId xmlns:a16="http://schemas.microsoft.com/office/drawing/2014/main" id="{B8B9735A-BA31-421F-B97C-C3E9AC8DF32D}"/>
+              </a:ext>
+            </a:extLst>
+          </p:cNvPr>
+          <p:cNvPicPr>
+            <a:picLocks noChangeAspect="1"/>
+          </p:cNvPicPr>
+          <p:nvPr/>
+        </p:nvPicPr>
+        <p:blipFill>
+          <a:blip r:embed="rId2"/>
+          <a:stretch>
+            <a:fillRect/>
+          </a:stretch>
+        </p:blipFill>
         <p:spPr>
           <a:xfrm>
-            <a:off x="465138" y="1322388"/>
-            <a:ext cx="8437562" cy="5268912"/>
-          </a:xfrm>
-        </p:spPr>
-        <p:txBody>
-          <a:bodyPr>
-            <a:normAutofit/>
-          </a:bodyPr>
-          <a:lstStyle/>
-          <a:p>
-            <a:pPr marL="0" indent="0" eaLnBrk="1" hangingPunct="1">
-              <a:buFont typeface="Wingdings" charset="2"/>
-              <a:buNone/>
-              <a:defRPr/>
-            </a:pPr>
-            <a:r>
-              <a:rPr lang="en-US" sz="2000" dirty="0" smtClean="0">
-                <a:solidFill>
-                  <a:schemeClr val="tx2">
-                    <a:lumMod val="90000"/>
-                    <a:lumOff val="10000"/>
-                  </a:schemeClr>
-                </a:solidFill>
-                <a:cs typeface="Arial" pitchFamily="34" charset="0"/>
-              </a:rPr>
-              <a:t>Iteration 1 </a:t>
-            </a:r>
-            <a:r>
-              <a:rPr lang="en-US" sz="2000" dirty="0" smtClean="0">
-                <a:solidFill>
-                  <a:schemeClr val="tx2">
-                    <a:lumMod val="90000"/>
-                    <a:lumOff val="10000"/>
-                  </a:schemeClr>
-                </a:solidFill>
-                <a:cs typeface="Arial" pitchFamily="34" charset="0"/>
-              </a:rPr>
-              <a:t>– </a:t>
-            </a:r>
-            <a:r>
-              <a:rPr lang="en-US" sz="2000" dirty="0" smtClean="0">
-                <a:solidFill>
-                  <a:schemeClr val="tx2">
-                    <a:lumMod val="90000"/>
-                    <a:lumOff val="10000"/>
-                  </a:schemeClr>
-                </a:solidFill>
-                <a:cs typeface="Arial" pitchFamily="34" charset="0"/>
-              </a:rPr>
-              <a:t>Deliverables</a:t>
-            </a:r>
-            <a:endParaRPr lang="en-US" sz="2000" dirty="0" smtClean="0">
-              <a:solidFill>
-                <a:schemeClr val="tx2">
-                  <a:lumMod val="90000"/>
-                  <a:lumOff val="10000"/>
-                </a:schemeClr>
-              </a:solidFill>
-              <a:cs typeface="Arial" pitchFamily="34" charset="0"/>
-            </a:endParaRPr>
-          </a:p>
-          <a:p>
-            <a:pPr lvl="2" indent="-457200" eaLnBrk="1" hangingPunct="1">
-              <a:spcBef>
-                <a:spcPts val="0"/>
-              </a:spcBef>
-              <a:buClrTx/>
-              <a:buSzTx/>
-              <a:buFont typeface="Arial" pitchFamily="34" charset="0"/>
-              <a:buChar char="•"/>
-              <a:defRPr/>
-            </a:pPr>
-            <a:r>
-              <a:rPr lang="en-US" sz="1400" dirty="0" smtClean="0">
-                <a:solidFill>
-                  <a:schemeClr val="tx2">
-                    <a:lumMod val="90000"/>
-                    <a:lumOff val="10000"/>
-                  </a:schemeClr>
-                </a:solidFill>
-                <a:cs typeface="Calibri" pitchFamily="34" charset="0"/>
-              </a:rPr>
-              <a:t>Member tasks</a:t>
-            </a:r>
-          </a:p>
-          <a:p>
-            <a:pPr lvl="2" indent="-457200" eaLnBrk="1" hangingPunct="1">
-              <a:spcBef>
-                <a:spcPts val="0"/>
-              </a:spcBef>
-              <a:buClrTx/>
-              <a:buSzTx/>
-              <a:buFont typeface="Arial" pitchFamily="34" charset="0"/>
-              <a:buChar char="•"/>
-              <a:defRPr/>
-            </a:pPr>
-            <a:r>
-              <a:rPr lang="en-US" sz="1400" dirty="0" smtClean="0">
-                <a:solidFill>
-                  <a:schemeClr val="tx2">
-                    <a:lumMod val="90000"/>
-                    <a:lumOff val="10000"/>
-                  </a:schemeClr>
-                </a:solidFill>
-                <a:cs typeface="Calibri" pitchFamily="34" charset="0"/>
-              </a:rPr>
-              <a:t>Member profile</a:t>
-            </a:r>
-          </a:p>
-          <a:p>
-            <a:pPr lvl="2" indent="-457200" eaLnBrk="1" hangingPunct="1">
-              <a:spcBef>
-                <a:spcPts val="0"/>
-              </a:spcBef>
-              <a:buClrTx/>
-              <a:buSzTx/>
-              <a:buFont typeface="Arial" pitchFamily="34" charset="0"/>
-              <a:buChar char="•"/>
-              <a:defRPr/>
-            </a:pPr>
-            <a:r>
-              <a:rPr lang="en-US" sz="1400" dirty="0" smtClean="0">
-                <a:solidFill>
-                  <a:schemeClr val="tx2">
-                    <a:lumMod val="90000"/>
-                    <a:lumOff val="10000"/>
-                  </a:schemeClr>
-                </a:solidFill>
-                <a:cs typeface="Calibri" pitchFamily="34" charset="0"/>
-              </a:rPr>
-              <a:t>Manager tasks</a:t>
-            </a:r>
-          </a:p>
-          <a:p>
-            <a:pPr lvl="2" indent="-457200" eaLnBrk="1" hangingPunct="1">
-              <a:spcBef>
-                <a:spcPts val="0"/>
-              </a:spcBef>
-              <a:buClrTx/>
-              <a:buSzTx/>
-              <a:buFont typeface="Arial" pitchFamily="34" charset="0"/>
-              <a:buChar char="•"/>
-              <a:defRPr/>
-            </a:pPr>
-            <a:r>
-              <a:rPr lang="en-US" sz="1400" dirty="0" smtClean="0">
-                <a:solidFill>
-                  <a:schemeClr val="tx2">
-                    <a:lumMod val="90000"/>
-                    <a:lumOff val="10000"/>
-                  </a:schemeClr>
-                </a:solidFill>
-                <a:cs typeface="Calibri" pitchFamily="34" charset="0"/>
-              </a:rPr>
-              <a:t>Project members</a:t>
-            </a:r>
-          </a:p>
-          <a:p>
-            <a:pPr lvl="2" indent="-457200" eaLnBrk="1" hangingPunct="1">
-              <a:spcBef>
-                <a:spcPts val="0"/>
-              </a:spcBef>
-              <a:buClrTx/>
-              <a:buSzTx/>
-              <a:buFont typeface="Arial" pitchFamily="34" charset="0"/>
-              <a:buChar char="•"/>
-              <a:defRPr/>
-            </a:pPr>
-            <a:r>
-              <a:rPr lang="en-US" sz="1400" dirty="0" smtClean="0">
-                <a:solidFill>
-                  <a:schemeClr val="tx2">
-                    <a:lumMod val="90000"/>
-                    <a:lumOff val="10000"/>
-                  </a:schemeClr>
-                </a:solidFill>
-                <a:cs typeface="Calibri" pitchFamily="34" charset="0"/>
-              </a:rPr>
-              <a:t>Manage projects</a:t>
-            </a:r>
-          </a:p>
-          <a:p>
-            <a:pPr lvl="2" indent="-457200" eaLnBrk="1" hangingPunct="1">
-              <a:spcBef>
-                <a:spcPts val="0"/>
-              </a:spcBef>
-              <a:buClrTx/>
-              <a:buSzTx/>
-              <a:buFont typeface="Arial" pitchFamily="34" charset="0"/>
-              <a:buChar char="•"/>
-              <a:defRPr/>
-            </a:pPr>
-            <a:r>
-              <a:rPr lang="en-US" sz="1400" dirty="0" smtClean="0">
-                <a:solidFill>
-                  <a:schemeClr val="tx2">
-                    <a:lumMod val="90000"/>
-                    <a:lumOff val="10000"/>
-                  </a:schemeClr>
-                </a:solidFill>
-                <a:cs typeface="Calibri" pitchFamily="34" charset="0"/>
-              </a:rPr>
-              <a:t>Reminders</a:t>
-            </a:r>
-          </a:p>
-          <a:p>
-            <a:pPr lvl="2" indent="-457200" eaLnBrk="1" hangingPunct="1">
-              <a:spcBef>
-                <a:spcPts val="0"/>
-              </a:spcBef>
-              <a:buClrTx/>
-              <a:buSzTx/>
-              <a:buFont typeface="Arial" pitchFamily="34" charset="0"/>
-              <a:buChar char="•"/>
-              <a:defRPr/>
-            </a:pPr>
-            <a:r>
-              <a:rPr lang="en-US" sz="1400" dirty="0" smtClean="0">
-                <a:solidFill>
-                  <a:schemeClr val="tx2">
-                    <a:lumMod val="90000"/>
-                    <a:lumOff val="10000"/>
-                  </a:schemeClr>
-                </a:solidFill>
-                <a:cs typeface="Calibri" pitchFamily="34" charset="0"/>
-              </a:rPr>
-              <a:t>Framework setup</a:t>
-            </a:r>
-          </a:p>
-          <a:p>
-            <a:pPr marL="0" indent="0" eaLnBrk="1" hangingPunct="1">
-              <a:buFont typeface="Wingdings" charset="2"/>
-              <a:buNone/>
-              <a:defRPr/>
-            </a:pPr>
-            <a:r>
-              <a:rPr lang="en-US" sz="2000" dirty="0" smtClean="0">
-                <a:solidFill>
-                  <a:schemeClr val="tx2">
-                    <a:lumMod val="90000"/>
-                    <a:lumOff val="10000"/>
-                  </a:schemeClr>
-                </a:solidFill>
-                <a:cs typeface="Arial" pitchFamily="34" charset="0"/>
-              </a:rPr>
-              <a:t>Iteration </a:t>
-            </a:r>
-            <a:r>
-              <a:rPr lang="en-US" sz="2000" dirty="0" smtClean="0">
-                <a:solidFill>
-                  <a:schemeClr val="tx2">
-                    <a:lumMod val="90000"/>
-                    <a:lumOff val="10000"/>
-                  </a:schemeClr>
-                </a:solidFill>
-                <a:cs typeface="Arial" pitchFamily="34" charset="0"/>
-              </a:rPr>
-              <a:t>2 – </a:t>
-            </a:r>
-            <a:r>
-              <a:rPr lang="en-US" sz="2000" dirty="0" smtClean="0">
-                <a:solidFill>
-                  <a:schemeClr val="tx2">
-                    <a:lumMod val="90000"/>
-                    <a:lumOff val="10000"/>
-                  </a:schemeClr>
-                </a:solidFill>
-                <a:cs typeface="Arial" pitchFamily="34" charset="0"/>
-              </a:rPr>
-              <a:t>Deliverables</a:t>
-            </a:r>
-            <a:endParaRPr lang="en-US" sz="2000" dirty="0" smtClean="0">
-              <a:solidFill>
-                <a:schemeClr val="tx2">
-                  <a:lumMod val="90000"/>
-                  <a:lumOff val="10000"/>
-                </a:schemeClr>
-              </a:solidFill>
-              <a:cs typeface="Arial" pitchFamily="34" charset="0"/>
-            </a:endParaRPr>
-          </a:p>
-          <a:p>
-            <a:pPr lvl="2" indent="-457200" eaLnBrk="1" hangingPunct="1">
-              <a:spcBef>
-                <a:spcPts val="0"/>
-              </a:spcBef>
-              <a:buClrTx/>
-              <a:buSzTx/>
-              <a:buFont typeface="Arial" pitchFamily="34" charset="0"/>
-              <a:buChar char="•"/>
-              <a:defRPr/>
-            </a:pPr>
-            <a:r>
-              <a:rPr lang="en-US" sz="1400" dirty="0">
-                <a:solidFill>
-                  <a:schemeClr val="tx2">
-                    <a:lumMod val="90000"/>
-                    <a:lumOff val="10000"/>
-                  </a:schemeClr>
-                </a:solidFill>
-                <a:cs typeface="Calibri" pitchFamily="34" charset="0"/>
-              </a:rPr>
-              <a:t>Member tasks</a:t>
-            </a:r>
-          </a:p>
-          <a:p>
-            <a:pPr lvl="2" indent="-457200" eaLnBrk="1" hangingPunct="1">
-              <a:spcBef>
-                <a:spcPts val="0"/>
-              </a:spcBef>
-              <a:buClrTx/>
-              <a:buSzTx/>
-              <a:buFont typeface="Arial" pitchFamily="34" charset="0"/>
-              <a:buChar char="•"/>
-              <a:defRPr/>
-            </a:pPr>
-            <a:r>
-              <a:rPr lang="en-US" sz="1400" dirty="0">
-                <a:solidFill>
-                  <a:schemeClr val="tx2">
-                    <a:lumMod val="90000"/>
-                    <a:lumOff val="10000"/>
-                  </a:schemeClr>
-                </a:solidFill>
-                <a:cs typeface="Calibri" pitchFamily="34" charset="0"/>
-              </a:rPr>
-              <a:t>Member profile</a:t>
-            </a:r>
-          </a:p>
-          <a:p>
-            <a:pPr lvl="2" indent="-457200" eaLnBrk="1" hangingPunct="1">
-              <a:spcBef>
-                <a:spcPts val="0"/>
-              </a:spcBef>
-              <a:buClrTx/>
-              <a:buSzTx/>
-              <a:buFont typeface="Arial" pitchFamily="34" charset="0"/>
-              <a:buChar char="•"/>
-              <a:defRPr/>
-            </a:pPr>
-            <a:r>
-              <a:rPr lang="en-US" sz="1400" dirty="0">
-                <a:solidFill>
-                  <a:schemeClr val="tx2">
-                    <a:lumMod val="90000"/>
-                    <a:lumOff val="10000"/>
-                  </a:schemeClr>
-                </a:solidFill>
-                <a:cs typeface="Calibri" pitchFamily="34" charset="0"/>
-              </a:rPr>
-              <a:t>Manager tasks</a:t>
-            </a:r>
-          </a:p>
-          <a:p>
-            <a:pPr lvl="2" indent="-457200" eaLnBrk="1" hangingPunct="1">
-              <a:spcBef>
-                <a:spcPts val="0"/>
-              </a:spcBef>
-              <a:buClrTx/>
-              <a:buSzTx/>
-              <a:buFont typeface="Arial" pitchFamily="34" charset="0"/>
-              <a:buChar char="•"/>
-              <a:defRPr/>
-            </a:pPr>
-            <a:r>
-              <a:rPr lang="en-US" sz="1400" dirty="0">
-                <a:solidFill>
-                  <a:schemeClr val="tx2">
-                    <a:lumMod val="90000"/>
-                    <a:lumOff val="10000"/>
-                  </a:schemeClr>
-                </a:solidFill>
-                <a:cs typeface="Calibri" pitchFamily="34" charset="0"/>
-              </a:rPr>
-              <a:t>Project members</a:t>
-            </a:r>
-          </a:p>
-          <a:p>
-            <a:pPr lvl="2" indent="-457200" eaLnBrk="1" hangingPunct="1">
-              <a:spcBef>
-                <a:spcPts val="0"/>
-              </a:spcBef>
-              <a:buClrTx/>
-              <a:buSzTx/>
-              <a:buFont typeface="Arial" pitchFamily="34" charset="0"/>
-              <a:buChar char="•"/>
-              <a:defRPr/>
-            </a:pPr>
-            <a:r>
-              <a:rPr lang="en-US" sz="1400" dirty="0">
-                <a:solidFill>
-                  <a:schemeClr val="tx2">
-                    <a:lumMod val="90000"/>
-                    <a:lumOff val="10000"/>
-                  </a:schemeClr>
-                </a:solidFill>
-                <a:cs typeface="Calibri" pitchFamily="34" charset="0"/>
-              </a:rPr>
-              <a:t>Manage projects</a:t>
-            </a:r>
-          </a:p>
-          <a:p>
-            <a:pPr lvl="2" indent="-457200" eaLnBrk="1" hangingPunct="1">
-              <a:spcBef>
-                <a:spcPts val="0"/>
-              </a:spcBef>
-              <a:buClrTx/>
-              <a:buSzTx/>
-              <a:buFont typeface="Arial" pitchFamily="34" charset="0"/>
-              <a:buChar char="•"/>
-              <a:defRPr/>
-            </a:pPr>
-            <a:r>
-              <a:rPr lang="en-US" sz="1400" dirty="0">
-                <a:solidFill>
-                  <a:schemeClr val="tx2">
-                    <a:lumMod val="90000"/>
-                    <a:lumOff val="10000"/>
-                  </a:schemeClr>
-                </a:solidFill>
-                <a:cs typeface="Calibri" pitchFamily="34" charset="0"/>
-              </a:rPr>
-              <a:t>Reminders</a:t>
-            </a:r>
-          </a:p>
-          <a:p>
-            <a:pPr lvl="2" indent="-457200" eaLnBrk="1" hangingPunct="1">
-              <a:spcBef>
-                <a:spcPts val="0"/>
-              </a:spcBef>
-              <a:buClrTx/>
-              <a:buSzTx/>
-              <a:buFont typeface="Arial" pitchFamily="34" charset="0"/>
-              <a:buChar char="•"/>
-              <a:defRPr/>
-            </a:pPr>
-            <a:endParaRPr lang="en-US" sz="1400" dirty="0">
-              <a:solidFill>
-                <a:schemeClr val="tx2">
-                  <a:lumMod val="90000"/>
-                  <a:lumOff val="10000"/>
-                </a:schemeClr>
-              </a:solidFill>
-              <a:cs typeface="Calibri" pitchFamily="34" charset="0"/>
-            </a:endParaRPr>
-          </a:p>
-          <a:p>
-            <a:pPr marL="91440" lvl="2" indent="0" eaLnBrk="1" hangingPunct="1">
-              <a:spcBef>
-                <a:spcPts val="0"/>
-              </a:spcBef>
-              <a:buClrTx/>
-              <a:buSzTx/>
-              <a:buNone/>
-              <a:defRPr/>
-            </a:pPr>
-            <a:r>
-              <a:rPr lang="en-US" sz="2000" dirty="0" smtClean="0">
-                <a:solidFill>
-                  <a:schemeClr val="tx2">
-                    <a:lumMod val="90000"/>
-                    <a:lumOff val="10000"/>
-                  </a:schemeClr>
-                </a:solidFill>
-                <a:cs typeface="Arial" pitchFamily="34" charset="0"/>
-              </a:rPr>
-              <a:t>Iteration 3 - Deliverables</a:t>
-            </a:r>
-          </a:p>
-          <a:p>
-            <a:pPr marL="91440" lvl="2" indent="0" eaLnBrk="1" hangingPunct="1">
-              <a:spcBef>
-                <a:spcPts val="0"/>
-              </a:spcBef>
-              <a:buClrTx/>
-              <a:buSzTx/>
-              <a:buNone/>
-              <a:defRPr/>
-            </a:pPr>
-            <a:endParaRPr lang="en-US" sz="2000" dirty="0">
-              <a:solidFill>
-                <a:schemeClr val="tx2">
-                  <a:lumMod val="90000"/>
-                  <a:lumOff val="10000"/>
-                </a:schemeClr>
-              </a:solidFill>
-              <a:cs typeface="Arial" pitchFamily="34" charset="0"/>
-            </a:endParaRPr>
-          </a:p>
-          <a:p>
-            <a:pPr marL="91440" lvl="2" indent="0" eaLnBrk="1" hangingPunct="1">
-              <a:spcBef>
-                <a:spcPts val="0"/>
-              </a:spcBef>
-              <a:buClrTx/>
-              <a:buSzTx/>
-              <a:buNone/>
-              <a:defRPr/>
-            </a:pPr>
-            <a:r>
-              <a:rPr lang="en-US" sz="2000" dirty="0" smtClean="0">
-                <a:solidFill>
-                  <a:schemeClr val="tx2">
-                    <a:lumMod val="90000"/>
-                    <a:lumOff val="10000"/>
-                  </a:schemeClr>
-                </a:solidFill>
-                <a:cs typeface="Arial" pitchFamily="34" charset="0"/>
-              </a:rPr>
-              <a:t>Iteration 4 - Deliverables</a:t>
-            </a:r>
-            <a:endParaRPr lang="en-US" sz="2000" dirty="0" smtClean="0">
-              <a:solidFill>
-                <a:schemeClr val="tx2">
-                  <a:lumMod val="90000"/>
-                  <a:lumOff val="10000"/>
-                </a:schemeClr>
-              </a:solidFill>
-              <a:cs typeface="Arial" pitchFamily="34" charset="0"/>
-            </a:endParaRPr>
-          </a:p>
-        </p:txBody>
-      </p:sp>
+            <a:off x="671512" y="1619250"/>
+            <a:ext cx="7800975" cy="3619500"/>
+          </a:xfrm>
+          <a:prstGeom prst="rect">
+            <a:avLst/>
+          </a:prstGeom>
+        </p:spPr>
+      </p:pic>
     </p:spTree>
+    <p:extLst>
+      <p:ext uri="{BB962C8B-B14F-4D97-AF65-F5344CB8AC3E}">
+        <p14:creationId xmlns:p14="http://schemas.microsoft.com/office/powerpoint/2010/main" val="642935832"/>
+      </p:ext>
+    </p:extLst>
   </p:cSld>
   <p:clrMapOvr>
     <a:masterClrMapping/>
   </p:clrMapOvr>
   <p:transition/>
-  <p:timing>
-    <p:tnLst>
-      <p:par>
-        <p:cTn id="1" dur="indefinite" restart="never" nodeType="tmRoot"/>
-      </p:par>
-    </p:tnLst>
-  </p:timing>
 </p:sld>
 </file>
 
@@ -11066,391 +10524,56 @@
               <a:defRPr/>
             </a:pPr>
             <a:r>
-              <a:rPr lang="en-US" dirty="0" smtClean="0"/>
-              <a:t>Risk and Mitigation</a:t>
-            </a:r>
-            <a:endParaRPr lang="en-US" dirty="0"/>
+              <a:rPr lang="en-US" dirty="0"/>
+              <a:t>Questions &amp; Answers</a:t>
+            </a:r>
           </a:p>
         </p:txBody>
       </p:sp>
       <p:sp>
         <p:nvSpPr>
-          <p:cNvPr id="5" name="Content Placeholder 2"/>
-          <p:cNvSpPr txBox="1">
-            <a:spLocks/>
+          <p:cNvPr id="4" name="Text Placeholder 2"/>
+          <p:cNvSpPr>
+            <a:spLocks noGrp="1"/>
           </p:cNvSpPr>
-          <p:nvPr/>
+          <p:nvPr>
+            <p:ph type="body" sz="quarter" idx="13"/>
+          </p:nvPr>
         </p:nvSpPr>
         <p:spPr>
           <a:xfrm>
-            <a:off x="381000" y="1389062"/>
-            <a:ext cx="8534400" cy="4757737"/>
-          </a:xfrm>
-          <a:prstGeom prst="rect">
-            <a:avLst/>
-          </a:prstGeom>
+            <a:off x="457200" y="2438400"/>
+            <a:ext cx="8437563" cy="1905000"/>
+          </a:xfrm>
         </p:spPr>
         <p:txBody>
           <a:bodyPr/>
           <a:lstStyle/>
           <a:p>
-            <a:pPr marL="285750" indent="-285750" defTabSz="455613" fontAlgn="auto">
-              <a:spcBef>
-                <a:spcPts val="2000"/>
-              </a:spcBef>
-              <a:spcAft>
-                <a:spcPts val="0"/>
-              </a:spcAft>
-              <a:buFontTx/>
-              <a:buChar char="-"/>
+            <a:pPr eaLnBrk="1" hangingPunct="1">
+              <a:buFont typeface="Wingdings" charset="2"/>
+              <a:buNone/>
               <a:defRPr/>
             </a:pPr>
-            <a:endParaRPr lang="en-US" sz="1600" dirty="0">
-              <a:solidFill>
-                <a:schemeClr val="tx2"/>
-              </a:solidFill>
-              <a:latin typeface="+mn-lt"/>
-              <a:ea typeface="ＭＳ Ｐゴシック" pitchFamily="-65" charset="-128"/>
-              <a:cs typeface="Arial Bold"/>
-            </a:endParaRPr>
-          </a:p>
-        </p:txBody>
-      </p:sp>
-      <p:sp>
-        <p:nvSpPr>
-          <p:cNvPr id="36865" name="Rectangle 1"/>
-          <p:cNvSpPr>
-            <a:spLocks noChangeArrowheads="1"/>
-          </p:cNvSpPr>
-          <p:nvPr/>
-        </p:nvSpPr>
-        <p:spPr bwMode="auto">
-          <a:xfrm>
-            <a:off x="-19050" y="1418510"/>
-            <a:ext cx="9144000" cy="1969770"/>
-          </a:xfrm>
-          <a:prstGeom prst="rect">
-            <a:avLst/>
-          </a:prstGeom>
-          <a:noFill/>
-          <a:ln w="9525">
-            <a:noFill/>
-            <a:miter lim="800000"/>
-            <a:headEnd/>
-            <a:tailEnd/>
-          </a:ln>
-          <a:effectLst/>
-        </p:spPr>
-        <p:txBody>
-          <a:bodyPr vert="horz" wrap="square" lIns="91440" tIns="0" rIns="91440" bIns="0" numCol="1" anchor="ctr" anchorCtr="0" compatLnSpc="1">
-            <a:prstTxWarp prst="textNoShape">
-              <a:avLst/>
-            </a:prstTxWarp>
-            <a:spAutoFit/>
-          </a:bodyPr>
-          <a:lstStyle/>
-          <a:p>
-            <a:pPr marL="285750" marR="0" lvl="0" indent="-285750" algn="l" defTabSz="914400" rtl="0" eaLnBrk="1" fontAlgn="base" latinLnBrk="0" hangingPunct="1">
-              <a:lnSpc>
-                <a:spcPct val="100000"/>
-              </a:lnSpc>
-              <a:spcBef>
-                <a:spcPct val="0"/>
-              </a:spcBef>
-              <a:spcAft>
-                <a:spcPct val="0"/>
-              </a:spcAft>
-              <a:buClrTx/>
-              <a:buSzTx/>
-              <a:buFont typeface="Arial" pitchFamily="34" charset="0"/>
-              <a:buChar char="•"/>
-              <a:tabLst/>
+            <a:r>
+              <a:rPr lang="en-US" sz="8000" dirty="0"/>
+              <a:t>Q &amp; A</a:t>
+            </a:r>
+          </a:p>
+          <a:p>
+            <a:pPr eaLnBrk="1" hangingPunct="1">
+              <a:buFont typeface="Wingdings" charset="2"/>
+              <a:buNone/>
+              <a:defRPr/>
             </a:pPr>
-            <a:r>
-              <a:rPr kumimoji="0" lang="en-US" sz="1600" b="0" i="0" u="none" strike="noStrike" cap="none" normalizeH="0" baseline="0" dirty="0" smtClean="0">
-                <a:ln>
-                  <a:noFill/>
-                </a:ln>
-                <a:solidFill>
-                  <a:schemeClr val="tx1"/>
-                </a:solidFill>
-                <a:effectLst/>
-                <a:latin typeface="+mn-lt"/>
-                <a:ea typeface="Calibri" pitchFamily="34" charset="0"/>
-                <a:cs typeface="Times New Roman" pitchFamily="18" charset="0"/>
-              </a:rPr>
-              <a:t>Technology Challenges </a:t>
-            </a:r>
-            <a:endParaRPr kumimoji="0" lang="en-US" sz="1600" b="0" i="0" u="none" strike="noStrike" cap="none" normalizeH="0" baseline="0" dirty="0" smtClean="0">
-              <a:ln>
-                <a:noFill/>
-              </a:ln>
-              <a:solidFill>
-                <a:schemeClr val="tx1"/>
-              </a:solidFill>
-              <a:effectLst/>
-              <a:latin typeface="+mn-lt"/>
-              <a:cs typeface="Arial" pitchFamily="34" charset="0"/>
-            </a:endParaRPr>
-          </a:p>
-          <a:p>
-            <a:pPr marL="457200" marR="0" lvl="1" indent="0" algn="l" defTabSz="914400" rtl="0" eaLnBrk="0" fontAlgn="base" latinLnBrk="0" hangingPunct="0">
-              <a:lnSpc>
-                <a:spcPct val="100000"/>
-              </a:lnSpc>
-              <a:spcBef>
-                <a:spcPct val="0"/>
-              </a:spcBef>
-              <a:spcAft>
-                <a:spcPct val="0"/>
-              </a:spcAft>
-              <a:buClrTx/>
-              <a:buSzTx/>
-              <a:buFont typeface="Wingdings" pitchFamily="2" charset="2"/>
-              <a:buChar char="Ø"/>
-              <a:tabLst/>
-            </a:pPr>
-            <a:r>
-              <a:rPr kumimoji="0" lang="en-US" sz="1600" b="0" i="0" u="none" strike="noStrike" cap="none" normalizeH="0" baseline="0" dirty="0" smtClean="0">
-                <a:ln>
-                  <a:noFill/>
-                </a:ln>
-                <a:solidFill>
-                  <a:schemeClr val="tx1"/>
-                </a:solidFill>
-                <a:effectLst/>
-                <a:latin typeface="+mn-lt"/>
-                <a:ea typeface="Calibri" pitchFamily="34" charset="0"/>
-                <a:cs typeface="Times New Roman" pitchFamily="18" charset="0"/>
-              </a:rPr>
-              <a:t>Mitigate by ensuring we get training on </a:t>
-            </a:r>
-            <a:r>
-              <a:rPr kumimoji="0" lang="en-US" sz="1600" b="0" i="0" u="none" strike="noStrike" cap="none" normalizeH="0" baseline="0" dirty="0" err="1" smtClean="0">
-                <a:ln>
-                  <a:noFill/>
-                </a:ln>
-                <a:solidFill>
-                  <a:schemeClr val="tx1"/>
-                </a:solidFill>
-                <a:effectLst/>
-                <a:latin typeface="+mn-lt"/>
-                <a:ea typeface="Calibri" pitchFamily="34" charset="0"/>
-                <a:cs typeface="Times New Roman" pitchFamily="18" charset="0"/>
-              </a:rPr>
-              <a:t>AngularJS</a:t>
-            </a:r>
-            <a:r>
-              <a:rPr kumimoji="0" lang="en-US" sz="1600" b="0" i="0" u="none" strike="noStrike" cap="none" normalizeH="0" dirty="0" smtClean="0">
-                <a:ln>
-                  <a:noFill/>
-                </a:ln>
-                <a:solidFill>
-                  <a:schemeClr val="tx1"/>
-                </a:solidFill>
-                <a:effectLst/>
-                <a:latin typeface="+mn-lt"/>
-                <a:ea typeface="Calibri" pitchFamily="34" charset="0"/>
-                <a:cs typeface="Times New Roman" pitchFamily="18" charset="0"/>
-              </a:rPr>
-              <a:t> </a:t>
-            </a:r>
-          </a:p>
-          <a:p>
-            <a:pPr marL="457200" marR="0" lvl="1" indent="0" algn="l" defTabSz="914400" rtl="0" eaLnBrk="0" fontAlgn="base" latinLnBrk="0" hangingPunct="0">
-              <a:lnSpc>
-                <a:spcPct val="100000"/>
-              </a:lnSpc>
-              <a:spcBef>
-                <a:spcPct val="0"/>
-              </a:spcBef>
-              <a:spcAft>
-                <a:spcPct val="0"/>
-              </a:spcAft>
-              <a:buClrTx/>
-              <a:buSzTx/>
-              <a:buFont typeface="Wingdings" pitchFamily="2" charset="2"/>
-              <a:buChar char="Ø"/>
-              <a:tabLst/>
-            </a:pPr>
-            <a:r>
-              <a:rPr lang="en-US" sz="1600" baseline="0" dirty="0" smtClean="0">
-                <a:latin typeface="+mn-lt"/>
-                <a:ea typeface="Calibri" pitchFamily="34" charset="0"/>
-                <a:cs typeface="Times New Roman" pitchFamily="18" charset="0"/>
-              </a:rPr>
-              <a:t>Get</a:t>
-            </a:r>
-            <a:r>
-              <a:rPr lang="en-US" sz="1600" dirty="0" smtClean="0">
-                <a:latin typeface="+mn-lt"/>
-                <a:ea typeface="Calibri" pitchFamily="34" charset="0"/>
-                <a:cs typeface="Times New Roman" pitchFamily="18" charset="0"/>
-              </a:rPr>
-              <a:t> help from a lead on </a:t>
-            </a:r>
-            <a:r>
-              <a:rPr lang="en-US" sz="1600" dirty="0" err="1" smtClean="0">
-                <a:latin typeface="+mn-lt"/>
-                <a:ea typeface="Calibri" pitchFamily="34" charset="0"/>
-                <a:cs typeface="Times New Roman" pitchFamily="18" charset="0"/>
-              </a:rPr>
-              <a:t>SpringWS</a:t>
-            </a:r>
-            <a:endParaRPr kumimoji="0" lang="en-US" sz="1600" b="0" i="0" u="none" strike="noStrike" cap="none" normalizeH="0" baseline="0" dirty="0" smtClean="0">
-              <a:ln>
-                <a:noFill/>
-              </a:ln>
-              <a:solidFill>
-                <a:schemeClr val="tx1"/>
-              </a:solidFill>
-              <a:effectLst/>
-              <a:latin typeface="+mn-lt"/>
-              <a:ea typeface="Calibri" pitchFamily="34" charset="0"/>
-              <a:cs typeface="Times New Roman" pitchFamily="18" charset="0"/>
-            </a:endParaRPr>
-          </a:p>
-          <a:p>
-            <a:pPr marL="285750" marR="0" lvl="0" indent="-285750" algn="l" defTabSz="914400" rtl="0" eaLnBrk="0" fontAlgn="base" latinLnBrk="0" hangingPunct="0">
-              <a:lnSpc>
-                <a:spcPct val="100000"/>
-              </a:lnSpc>
-              <a:spcBef>
-                <a:spcPct val="0"/>
-              </a:spcBef>
-              <a:spcAft>
-                <a:spcPct val="0"/>
-              </a:spcAft>
-              <a:buClrTx/>
-              <a:buSzTx/>
-              <a:buFont typeface="Arial" pitchFamily="34" charset="0"/>
-              <a:buChar char="•"/>
-              <a:tabLst/>
-            </a:pPr>
-            <a:r>
-              <a:rPr kumimoji="0" lang="en-US" sz="1600" b="0" i="0" u="none" strike="noStrike" cap="none" normalizeH="0" baseline="0" dirty="0" smtClean="0">
-                <a:ln>
-                  <a:noFill/>
-                </a:ln>
-                <a:solidFill>
-                  <a:schemeClr val="tx1"/>
-                </a:solidFill>
-                <a:effectLst/>
-                <a:latin typeface="+mn-lt"/>
-                <a:ea typeface="Calibri" pitchFamily="34" charset="0"/>
-                <a:cs typeface="Times New Roman" pitchFamily="18" charset="0"/>
-              </a:rPr>
-              <a:t>Mobile first strategy</a:t>
-            </a:r>
-            <a:endParaRPr kumimoji="0" lang="en-US" sz="1600" b="0" i="0" u="none" strike="noStrike" cap="none" normalizeH="0" baseline="0" dirty="0" smtClean="0">
-              <a:ln>
-                <a:noFill/>
-              </a:ln>
-              <a:solidFill>
-                <a:schemeClr val="tx1"/>
-              </a:solidFill>
-              <a:effectLst/>
-              <a:latin typeface="+mn-lt"/>
-              <a:cs typeface="Arial" pitchFamily="34" charset="0"/>
-            </a:endParaRPr>
-          </a:p>
-          <a:p>
-            <a:pPr marL="457200" marR="0" lvl="1" indent="0" algn="l" defTabSz="914400" rtl="0" eaLnBrk="0" fontAlgn="base" latinLnBrk="0" hangingPunct="0">
-              <a:lnSpc>
-                <a:spcPct val="100000"/>
-              </a:lnSpc>
-              <a:spcBef>
-                <a:spcPct val="0"/>
-              </a:spcBef>
-              <a:spcAft>
-                <a:spcPct val="0"/>
-              </a:spcAft>
-              <a:buClrTx/>
-              <a:buSzTx/>
-              <a:buFont typeface="Wingdings" pitchFamily="2" charset="2"/>
-              <a:buChar char="Ø"/>
-              <a:tabLst/>
-            </a:pPr>
-            <a:r>
-              <a:rPr kumimoji="0" lang="en-US" sz="1600" b="0" i="0" u="none" strike="noStrike" cap="none" normalizeH="0" baseline="0" dirty="0" smtClean="0">
-                <a:ln>
-                  <a:noFill/>
-                </a:ln>
-                <a:solidFill>
-                  <a:schemeClr val="tx1"/>
-                </a:solidFill>
-                <a:effectLst/>
-                <a:latin typeface="+mn-lt"/>
-                <a:ea typeface="Calibri" pitchFamily="34" charset="0"/>
-                <a:cs typeface="Times New Roman" pitchFamily="18" charset="0"/>
-              </a:rPr>
-              <a:t>Mitigated by creating POCs at the beginning of the project.</a:t>
-            </a:r>
-          </a:p>
-          <a:p>
-            <a:pPr marL="285750" lvl="0" indent="-285750" defTabSz="914400" eaLnBrk="0" hangingPunct="0">
-              <a:buFont typeface="Arial" pitchFamily="34" charset="0"/>
-              <a:buChar char="•"/>
-            </a:pPr>
-            <a:r>
-              <a:rPr kumimoji="0" lang="en-US" sz="1600" b="0" i="0" u="none" strike="noStrike" cap="none" normalizeH="0" baseline="0" dirty="0" smtClean="0">
-                <a:ln>
-                  <a:noFill/>
-                </a:ln>
-                <a:solidFill>
-                  <a:schemeClr val="tx1"/>
-                </a:solidFill>
-                <a:effectLst/>
-                <a:latin typeface="+mn-lt"/>
-                <a:ea typeface="Calibri" pitchFamily="34" charset="0"/>
-                <a:cs typeface="Times New Roman" pitchFamily="18" charset="0"/>
-              </a:rPr>
-              <a:t> </a:t>
-            </a:r>
-            <a:r>
-              <a:rPr lang="en-US" sz="1600" dirty="0" smtClean="0">
-                <a:ea typeface="Calibri" pitchFamily="34" charset="0"/>
-                <a:cs typeface="Times New Roman" pitchFamily="18" charset="0"/>
-              </a:rPr>
-              <a:t>Jazzy UI</a:t>
-            </a:r>
-            <a:endParaRPr lang="en-US" sz="1600" dirty="0">
-              <a:cs typeface="Arial" pitchFamily="34" charset="0"/>
-            </a:endParaRPr>
-          </a:p>
-          <a:p>
-            <a:pPr lvl="1" defTabSz="914400" eaLnBrk="0" hangingPunct="0">
-              <a:buFont typeface="Wingdings" pitchFamily="2" charset="2"/>
-              <a:buChar char="Ø"/>
-            </a:pPr>
-            <a:r>
-              <a:rPr lang="en-US" sz="1600" dirty="0">
-                <a:ea typeface="Calibri" pitchFamily="34" charset="0"/>
-                <a:cs typeface="Times New Roman" pitchFamily="18" charset="0"/>
-              </a:rPr>
-              <a:t>Mitigated by creating POCs at the beginning of the project.</a:t>
-            </a:r>
-          </a:p>
-          <a:p>
-            <a:pPr defTabSz="914400" eaLnBrk="0" hangingPunct="0"/>
-            <a:endParaRPr kumimoji="0" lang="en-US" sz="1600" b="0" i="0" u="none" strike="noStrike" cap="none" normalizeH="0" baseline="0" dirty="0" smtClean="0">
-              <a:ln>
-                <a:noFill/>
-              </a:ln>
-              <a:solidFill>
-                <a:schemeClr val="tx1"/>
-              </a:solidFill>
-              <a:effectLst/>
-              <a:latin typeface="+mn-lt"/>
-              <a:cs typeface="Arial" pitchFamily="34" charset="0"/>
-            </a:endParaRPr>
+            <a:endParaRPr lang="en-US" dirty="0"/>
           </a:p>
         </p:txBody>
       </p:sp>
     </p:spTree>
     <p:extLst>
       <p:ext uri="{BB962C8B-B14F-4D97-AF65-F5344CB8AC3E}">
-        <p14:creationId xmlns:p14="http://schemas.microsoft.com/office/powerpoint/2010/main" val="1861370450"/>
+        <p14:creationId xmlns:p14="http://schemas.microsoft.com/office/powerpoint/2010/main" val="2837548785"/>
       </p:ext>
     </p:extLst>
   </p:cSld>
@@ -11458,13 +10581,6 @@
     <a:masterClrMapping/>
   </p:clrMapOvr>
   <p:transition/>
-  <p:timing>
-    <p:tnLst>
-      <p:par>
-        <p:cTn id="1" dur="indefinite" restart="never" nodeType="tmRoot"/>
-      </p:par>
-    </p:tnLst>
-  </p:timing>
 </p:sld>
 </file>
 
@@ -11492,254 +10608,6 @@
             <a:spLocks noGrp="1"/>
           </p:cNvSpPr>
           <p:nvPr>
-            <p:ph type="title"/>
-          </p:nvPr>
-        </p:nvSpPr>
-        <p:spPr>
-          <a:xfrm>
-            <a:off x="465138" y="-1588"/>
-            <a:ext cx="6265862" cy="1144588"/>
-          </a:xfrm>
-        </p:spPr>
-        <p:txBody>
-          <a:bodyPr/>
-          <a:lstStyle/>
-          <a:p>
-            <a:pPr eaLnBrk="1" hangingPunct="1">
-              <a:defRPr/>
-            </a:pPr>
-            <a:r>
-              <a:rPr lang="en-US" dirty="0" smtClean="0"/>
-              <a:t>Timeframe - Releases Plan</a:t>
-            </a:r>
-            <a:endParaRPr lang="en-US" dirty="0"/>
-          </a:p>
-        </p:txBody>
-      </p:sp>
-      <p:graphicFrame>
-        <p:nvGraphicFramePr>
-          <p:cNvPr id="6" name="Object 5"/>
-          <p:cNvGraphicFramePr>
-            <a:graphicFrameLocks noChangeAspect="1"/>
-          </p:cNvGraphicFramePr>
-          <p:nvPr>
-            <p:extLst>
-              <p:ext uri="{D42A27DB-BD31-4B8C-83A1-F6EECF244321}">
-                <p14:modId xmlns:p14="http://schemas.microsoft.com/office/powerpoint/2010/main" val="3384065942"/>
-              </p:ext>
-            </p:extLst>
-          </p:nvPr>
-        </p:nvGraphicFramePr>
-        <p:xfrm>
-          <a:off x="228600" y="1676400"/>
-          <a:ext cx="8610600" cy="3886200"/>
-        </p:xfrm>
-        <a:graphic>
-          <a:graphicData uri="http://schemas.openxmlformats.org/presentationml/2006/ole">
-            <mc:AlternateContent xmlns:mc="http://schemas.openxmlformats.org/markup-compatibility/2006">
-              <mc:Choice xmlns:v="urn:schemas-microsoft-com:vml" Requires="v">
-                <p:oleObj spid="_x0000_s8418" name="Visio" r:id="rId3" imgW="9301230" imgH="3822311" progId="Visio.Drawing.11">
-                  <p:embed/>
-                </p:oleObj>
-              </mc:Choice>
-              <mc:Fallback>
-                <p:oleObj name="Visio" r:id="rId3" imgW="9301230" imgH="3822311" progId="Visio.Drawing.11">
-                  <p:embed/>
-                  <p:pic>
-                    <p:nvPicPr>
-                      <p:cNvPr id="0" name="Picture 159"/>
-                      <p:cNvPicPr>
-                        <a:picLocks noChangeAspect="1" noChangeArrowheads="1"/>
-                      </p:cNvPicPr>
-                      <p:nvPr/>
-                    </p:nvPicPr>
-                    <p:blipFill>
-                      <a:blip r:embed="rId4"/>
-                      <a:srcRect/>
-                      <a:stretch>
-                        <a:fillRect/>
-                      </a:stretch>
-                    </p:blipFill>
-                    <p:spPr bwMode="auto">
-                      <a:xfrm>
-                        <a:off x="228600" y="1676400"/>
-                        <a:ext cx="8610600" cy="3886200"/>
-                      </a:xfrm>
-                      <a:prstGeom prst="rect">
-                        <a:avLst/>
-                      </a:prstGeom>
-                      <a:noFill/>
-                      <a:extLst>
-                        <a:ext uri="{909E8E84-426E-40DD-AFC4-6F175D3DCCD1}">
-                          <a14:hiddenFill xmlns:a14="http://schemas.microsoft.com/office/drawing/2010/main">
-                            <a:solidFill>
-                              <a:srgbClr val="FFFFFF"/>
-                            </a:solidFill>
-                          </a14:hiddenFill>
-                        </a:ext>
-                      </a:extLst>
-                    </p:spPr>
-                  </p:pic>
-                </p:oleObj>
-              </mc:Fallback>
-            </mc:AlternateContent>
-          </a:graphicData>
-        </a:graphic>
-      </p:graphicFrame>
-    </p:spTree>
-    <p:extLst>
-      <p:ext uri="{BB962C8B-B14F-4D97-AF65-F5344CB8AC3E}">
-        <p14:creationId xmlns:p14="http://schemas.microsoft.com/office/powerpoint/2010/main" val="642935832"/>
-      </p:ext>
-    </p:extLst>
-  </p:cSld>
-  <p:clrMapOvr>
-    <a:masterClrMapping/>
-  </p:clrMapOvr>
-  <p:transition/>
-  <p:timing>
-    <p:tnLst>
-      <p:par>
-        <p:cTn id="1" dur="indefinite" restart="never" nodeType="tmRoot"/>
-      </p:par>
-    </p:tnLst>
-  </p:timing>
-</p:sld>
-</file>
-
-<file path=ppt/slides/slide13.xml><?xml version="1.0" encoding="utf-8"?>
-<p:sld xmlns:a="http://schemas.openxmlformats.org/drawingml/2006/main" xmlns:r="http://schemas.openxmlformats.org/officeDocument/2006/relationships" xmlns:p="http://schemas.openxmlformats.org/presentationml/2006/main">
-  <p:cSld>
-    <p:spTree>
-      <p:nvGrpSpPr>
-        <p:cNvPr id="1" name=""/>
-        <p:cNvGrpSpPr/>
-        <p:nvPr/>
-      </p:nvGrpSpPr>
-      <p:grpSpPr>
-        <a:xfrm>
-          <a:off x="0" y="0"/>
-          <a:ext cx="0" cy="0"/>
-          <a:chOff x="0" y="0"/>
-          <a:chExt cx="0" cy="0"/>
-        </a:xfrm>
-      </p:grpSpPr>
-      <p:sp>
-        <p:nvSpPr>
-          <p:cNvPr id="2" name="Title 1"/>
-          <p:cNvSpPr>
-            <a:spLocks noGrp="1"/>
-          </p:cNvSpPr>
-          <p:nvPr>
-            <p:ph type="title"/>
-          </p:nvPr>
-        </p:nvSpPr>
-        <p:spPr>
-          <a:xfrm>
-            <a:off x="465138" y="-1588"/>
-            <a:ext cx="6265862" cy="1144588"/>
-          </a:xfrm>
-        </p:spPr>
-        <p:txBody>
-          <a:bodyPr/>
-          <a:lstStyle/>
-          <a:p>
-            <a:pPr eaLnBrk="1" hangingPunct="1">
-              <a:defRPr/>
-            </a:pPr>
-            <a:r>
-              <a:rPr lang="en-US" dirty="0" smtClean="0"/>
-              <a:t>Questions &amp; Answers</a:t>
-            </a:r>
-            <a:endParaRPr lang="en-US" dirty="0"/>
-          </a:p>
-        </p:txBody>
-      </p:sp>
-      <p:sp>
-        <p:nvSpPr>
-          <p:cNvPr id="4" name="Text Placeholder 2"/>
-          <p:cNvSpPr>
-            <a:spLocks noGrp="1"/>
-          </p:cNvSpPr>
-          <p:nvPr>
-            <p:ph type="body" sz="quarter" idx="13"/>
-          </p:nvPr>
-        </p:nvSpPr>
-        <p:spPr>
-          <a:xfrm>
-            <a:off x="457200" y="2438400"/>
-            <a:ext cx="8437563" cy="1905000"/>
-          </a:xfrm>
-        </p:spPr>
-        <p:txBody>
-          <a:bodyPr/>
-          <a:lstStyle/>
-          <a:p>
-            <a:pPr eaLnBrk="1" hangingPunct="1">
-              <a:buFont typeface="Wingdings" charset="2"/>
-              <a:buNone/>
-              <a:defRPr/>
-            </a:pPr>
-            <a:r>
-              <a:rPr lang="en-US" sz="8000" dirty="0" smtClean="0"/>
-              <a:t>Q &amp; A</a:t>
-            </a:r>
-          </a:p>
-          <a:p>
-            <a:pPr eaLnBrk="1" hangingPunct="1">
-              <a:buFont typeface="Wingdings" charset="2"/>
-              <a:buNone/>
-              <a:defRPr/>
-            </a:pPr>
-            <a:endParaRPr lang="en-US" dirty="0"/>
-          </a:p>
-        </p:txBody>
-      </p:sp>
-    </p:spTree>
-    <p:extLst>
-      <p:ext uri="{BB962C8B-B14F-4D97-AF65-F5344CB8AC3E}">
-        <p14:creationId xmlns:p14="http://schemas.microsoft.com/office/powerpoint/2010/main" val="2837548785"/>
-      </p:ext>
-    </p:extLst>
-  </p:cSld>
-  <p:clrMapOvr>
-    <a:masterClrMapping/>
-  </p:clrMapOvr>
-  <p:transition/>
-  <p:timing>
-    <p:tnLst>
-      <p:par>
-        <p:cTn id="1" dur="indefinite" restart="never" nodeType="tmRoot"/>
-      </p:par>
-    </p:tnLst>
-  </p:timing>
-</p:sld>
-</file>
-
-<file path=ppt/slides/slide14.xml><?xml version="1.0" encoding="utf-8"?>
-<p:sld xmlns:a="http://schemas.openxmlformats.org/drawingml/2006/main" xmlns:r="http://schemas.openxmlformats.org/officeDocument/2006/relationships" xmlns:p="http://schemas.openxmlformats.org/presentationml/2006/main">
-  <p:cSld>
-    <p:spTree>
-      <p:nvGrpSpPr>
-        <p:cNvPr id="1" name=""/>
-        <p:cNvGrpSpPr/>
-        <p:nvPr/>
-      </p:nvGrpSpPr>
-      <p:grpSpPr>
-        <a:xfrm>
-          <a:off x="0" y="0"/>
-          <a:ext cx="0" cy="0"/>
-          <a:chOff x="0" y="0"/>
-          <a:chExt cx="0" cy="0"/>
-        </a:xfrm>
-      </p:grpSpPr>
-      <p:sp>
-        <p:nvSpPr>
-          <p:cNvPr id="2" name="Title 1"/>
-          <p:cNvSpPr>
-            <a:spLocks noGrp="1"/>
-          </p:cNvSpPr>
-          <p:nvPr>
             <p:ph type="ctrTitle"/>
           </p:nvPr>
         </p:nvSpPr>
@@ -11757,10 +10625,9 @@
               <a:defRPr/>
             </a:pPr>
             <a:r>
-              <a:rPr lang="en-US" dirty="0" smtClean="0"/>
+              <a:rPr lang="en-US" dirty="0"/>
               <a:t>Thank-you</a:t>
             </a:r>
-            <a:endParaRPr lang="en-US" dirty="0"/>
           </a:p>
         </p:txBody>
       </p:sp>
@@ -11775,13 +10642,6 @@
     <a:masterClrMapping/>
   </p:clrMapOvr>
   <p:transition/>
-  <p:timing>
-    <p:tnLst>
-      <p:par>
-        <p:cTn id="1" dur="indefinite" restart="never" nodeType="tmRoot"/>
-      </p:par>
-    </p:tnLst>
-  </p:timing>
 </p:sld>
 </file>
 
@@ -11826,10 +10686,9 @@
               <a:defRPr/>
             </a:pPr>
             <a:r>
-              <a:rPr lang="en-US" dirty="0" smtClean="0"/>
+              <a:rPr lang="en-US" dirty="0"/>
               <a:t>Agenda</a:t>
             </a:r>
-            <a:endParaRPr lang="en-US" dirty="0"/>
           </a:p>
         </p:txBody>
       </p:sp>
@@ -11868,26 +10727,17 @@
               <a:defRPr/>
             </a:pPr>
             <a:r>
-              <a:rPr lang="en-US" dirty="0" smtClean="0"/>
+              <a:rPr lang="en-US" dirty="0"/>
               <a:t>System Overview</a:t>
             </a:r>
-            <a:endParaRPr lang="en-US" dirty="0"/>
           </a:p>
           <a:p>
             <a:pPr eaLnBrk="1" hangingPunct="1">
               <a:defRPr/>
             </a:pPr>
             <a:r>
-              <a:rPr lang="en-US" dirty="0" smtClean="0"/>
-              <a:t>Themes </a:t>
-            </a:r>
-            <a:r>
               <a:rPr lang="en-US" dirty="0"/>
-              <a:t>&amp;</a:t>
-            </a:r>
-            <a:r>
-              <a:rPr lang="en-US" dirty="0" smtClean="0"/>
-              <a:t> Epics</a:t>
+              <a:t>Logical Architecture &amp; Technology Stack</a:t>
             </a:r>
           </a:p>
           <a:p>
@@ -11895,12 +10745,8 @@
               <a:defRPr/>
             </a:pPr>
             <a:r>
-              <a:rPr lang="en-US" dirty="0" smtClean="0"/>
-              <a:t>Model </a:t>
-            </a:r>
-            <a:r>
               <a:rPr lang="en-US" dirty="0"/>
-              <a:t>Diagram</a:t>
+              <a:t>Themes &amp; Epics</a:t>
             </a:r>
           </a:p>
           <a:p>
@@ -11909,7 +10755,7 @@
             </a:pPr>
             <a:r>
               <a:rPr lang="en-US" dirty="0"/>
-              <a:t>Wireframes</a:t>
+              <a:t>Environment</a:t>
             </a:r>
           </a:p>
           <a:p>
@@ -11917,26 +10763,9 @@
               <a:defRPr/>
             </a:pPr>
             <a:r>
-              <a:rPr lang="en-US" dirty="0" smtClean="0"/>
-              <a:t>Logical Architecture </a:t>
-            </a:r>
-            <a:r>
               <a:rPr lang="en-US" dirty="0"/>
-              <a:t>&amp;</a:t>
-            </a:r>
-            <a:r>
-              <a:rPr lang="en-US" dirty="0" smtClean="0"/>
-              <a:t> </a:t>
-            </a:r>
-            <a:r>
-              <a:rPr lang="en-US" dirty="0"/>
-              <a:t>T</a:t>
-            </a:r>
-            <a:r>
-              <a:rPr lang="en-US" dirty="0" smtClean="0"/>
-              <a:t>echnology Stack</a:t>
-            </a:r>
-            <a:endParaRPr lang="en-US" dirty="0"/>
+              <a:t>Epics- Iteration Plan</a:t>
+            </a:r>
           </a:p>
           <a:p>
             <a:pPr eaLnBrk="1" hangingPunct="1">
@@ -11944,7 +10773,7 @@
             </a:pPr>
             <a:r>
               <a:rPr lang="en-US" dirty="0"/>
-              <a:t>Environment</a:t>
+              <a:t>Risk &amp; Mitigation</a:t>
             </a:r>
           </a:p>
           <a:p>
@@ -11952,95 +10781,21 @@
               <a:defRPr/>
             </a:pPr>
             <a:r>
-              <a:rPr lang="en-US" dirty="0" smtClean="0"/>
-              <a:t>Epics </a:t>
-            </a:r>
-            <a:r>
               <a:rPr lang="en-US" dirty="0"/>
-              <a:t>- Release </a:t>
-            </a:r>
-            <a:r>
-              <a:rPr lang="en-US" dirty="0" smtClean="0"/>
-              <a:t>Plan - MVP</a:t>
-            </a:r>
-            <a:endParaRPr lang="en-US" dirty="0"/>
+              <a:t>Timeframe – Release Plan</a:t>
+            </a:r>
           </a:p>
           <a:p>
             <a:pPr eaLnBrk="1" hangingPunct="1">
               <a:defRPr/>
             </a:pPr>
             <a:r>
+              <a:rPr lang="en-US"/>
+              <a:t>Q </a:t>
+            </a:r>
+            <a:r>
               <a:rPr lang="en-US" dirty="0"/>
-              <a:t>Epics - Release Plan </a:t>
-            </a:r>
-            <a:r>
-              <a:rPr lang="en-US" dirty="0" smtClean="0"/>
-              <a:t>– Good To Have</a:t>
-            </a:r>
-          </a:p>
-          <a:p>
-            <a:pPr eaLnBrk="1" hangingPunct="1">
-              <a:defRPr/>
-            </a:pPr>
-            <a:r>
-              <a:rPr lang="en-US" dirty="0" smtClean="0"/>
-              <a:t>Out </a:t>
-            </a:r>
-            <a:r>
-              <a:rPr lang="en-US" dirty="0"/>
-              <a:t>of Scope</a:t>
-            </a:r>
-          </a:p>
-          <a:p>
-            <a:pPr eaLnBrk="1" hangingPunct="1">
-              <a:defRPr/>
-            </a:pPr>
-            <a:r>
-              <a:rPr lang="en-US" dirty="0" smtClean="0"/>
-              <a:t>Risk </a:t>
-            </a:r>
-            <a:r>
-              <a:rPr lang="en-US" dirty="0"/>
-              <a:t>&amp; </a:t>
-            </a:r>
-            <a:r>
-              <a:rPr lang="en-US" dirty="0" smtClean="0"/>
-              <a:t>Mitigation</a:t>
-            </a:r>
-          </a:p>
-          <a:p>
-            <a:pPr eaLnBrk="1" hangingPunct="1">
-              <a:defRPr/>
-            </a:pPr>
-            <a:r>
-              <a:rPr lang="en-US" dirty="0" smtClean="0"/>
-              <a:t>Timeframe </a:t>
-            </a:r>
-            <a:r>
-              <a:rPr lang="en-US" dirty="0"/>
-              <a:t>– Release Plan</a:t>
-            </a:r>
-          </a:p>
-          <a:p>
-            <a:pPr eaLnBrk="1" hangingPunct="1">
-              <a:defRPr/>
-            </a:pPr>
-            <a:r>
-              <a:rPr lang="en-US" dirty="0" smtClean="0"/>
-              <a:t>Cost </a:t>
-            </a:r>
-            <a:r>
-              <a:rPr lang="en-US" dirty="0"/>
-              <a:t>Estimate</a:t>
-            </a:r>
-          </a:p>
-          <a:p>
-            <a:pPr eaLnBrk="1" hangingPunct="1">
-              <a:defRPr/>
-            </a:pPr>
-            <a:r>
-              <a:rPr lang="en-US" dirty="0" smtClean="0"/>
-              <a:t>Q &amp; A</a:t>
+              <a:t>&amp; A</a:t>
             </a:r>
           </a:p>
           <a:p>
@@ -12063,13 +10818,6 @@
     <a:masterClrMapping/>
   </p:clrMapOvr>
   <p:transition/>
-  <p:timing>
-    <p:tnLst>
-      <p:par>
-        <p:cTn id="1" dur="indefinite" restart="never" nodeType="tmRoot"/>
-      </p:par>
-    </p:tnLst>
-  </p:timing>
 </p:sld>
 </file>
 
@@ -12114,10 +10862,9 @@
               <a:defRPr/>
             </a:pPr>
             <a:r>
-              <a:rPr lang="en-US" dirty="0" smtClean="0"/>
+              <a:rPr lang="en-US" dirty="0"/>
               <a:t>Assessment</a:t>
             </a:r>
-            <a:endParaRPr lang="en-US" dirty="0"/>
           </a:p>
         </p:txBody>
       </p:sp>
@@ -12148,7 +10895,7 @@
               <a:defRPr/>
             </a:pPr>
             <a:r>
-              <a:rPr lang="en-US" dirty="0" smtClean="0">
+              <a:rPr lang="en-US" dirty="0">
                 <a:solidFill>
                   <a:schemeClr val="accent1">
                     <a:lumMod val="50000"/>
@@ -12156,40 +10903,7 @@
                 </a:solidFill>
                 <a:cs typeface="Calibri" pitchFamily="34" charset="0"/>
               </a:rPr>
-              <a:t>During the four days of Inception, </a:t>
-            </a:r>
-            <a:r>
-              <a:rPr lang="en-US" dirty="0" smtClean="0">
-                <a:solidFill>
-                  <a:schemeClr val="accent1">
-                    <a:lumMod val="50000"/>
-                  </a:schemeClr>
-                </a:solidFill>
-                <a:cs typeface="Calibri" pitchFamily="34" charset="0"/>
-              </a:rPr>
-              <a:t>team </a:t>
-            </a:r>
-            <a:r>
-              <a:rPr lang="en-US" dirty="0" smtClean="0">
-                <a:solidFill>
-                  <a:schemeClr val="accent1">
-                    <a:lumMod val="50000"/>
-                  </a:schemeClr>
-                </a:solidFill>
-                <a:cs typeface="Calibri" pitchFamily="34" charset="0"/>
-              </a:rPr>
-              <a:t>has brainstormed to perform the design and planning activities needed to create a proposal </a:t>
-            </a:r>
-            <a:r>
-              <a:rPr lang="en-US" dirty="0" smtClean="0">
-                <a:solidFill>
-                  <a:schemeClr val="accent1">
-                    <a:lumMod val="50000"/>
-                  </a:schemeClr>
-                </a:solidFill>
-                <a:cs typeface="Calibri" pitchFamily="34" charset="0"/>
-              </a:rPr>
-              <a:t>that presents different meal plans based on employee count available on a particular day. </a:t>
+              <a:t>During the four days of Inception, team has brainstormed to perform the design and planning activities needed to create a proposal that presents different meal plans based on employee count available on a particular day. </a:t>
             </a:r>
           </a:p>
           <a:p>
@@ -12198,7 +10912,7 @@
               <a:defRPr/>
             </a:pPr>
             <a:r>
-              <a:rPr lang="en-US" dirty="0" smtClean="0">
+              <a:rPr lang="en-US" dirty="0">
                 <a:solidFill>
                   <a:schemeClr val="accent1">
                     <a:lumMod val="50000"/>
@@ -12206,49 +10920,8 @@
                 </a:solidFill>
                 <a:cs typeface="Calibri" pitchFamily="34" charset="0"/>
               </a:rPr>
-              <a:t>The </a:t>
-            </a:r>
-            <a:r>
-              <a:rPr lang="en-US" dirty="0">
-                <a:solidFill>
-                  <a:schemeClr val="accent1">
-                    <a:lumMod val="50000"/>
-                  </a:schemeClr>
-                </a:solidFill>
-                <a:cs typeface="Calibri" pitchFamily="34" charset="0"/>
-              </a:rPr>
-              <a:t>aim of the project is to develop a simple, intuitive and appealing web application that would </a:t>
-            </a:r>
-            <a:r>
-              <a:rPr lang="en-US" dirty="0" smtClean="0">
-                <a:solidFill>
-                  <a:schemeClr val="accent1">
-                    <a:lumMod val="50000"/>
-                  </a:schemeClr>
-                </a:solidFill>
-                <a:cs typeface="Calibri" pitchFamily="34" charset="0"/>
-              </a:rPr>
-              <a:t>send a request with employee count to system which gi</a:t>
-            </a:r>
-            <a:r>
-              <a:rPr lang="en-US" dirty="0" smtClean="0">
-                <a:solidFill>
-                  <a:schemeClr val="accent1">
-                    <a:lumMod val="50000"/>
-                  </a:schemeClr>
-                </a:solidFill>
-                <a:cs typeface="Calibri" pitchFamily="34" charset="0"/>
-              </a:rPr>
-              <a:t>ves meal plan as an output</a:t>
-            </a:r>
-            <a:endParaRPr lang="en-US" dirty="0">
-              <a:solidFill>
-                <a:schemeClr val="accent1">
-                  <a:lumMod val="50000"/>
-                </a:schemeClr>
-              </a:solidFill>
-              <a:cs typeface="Calibri" pitchFamily="34" charset="0"/>
-            </a:endParaRPr>
+              <a:t>The aim of the project is to develop a simple, intuitive and appealing web application that would send a request with employee count to system which gives meal plan as an output</a:t>
+            </a:r>
           </a:p>
           <a:p>
             <a:pPr marL="0" indent="0" eaLnBrk="1" fontAlgn="auto" hangingPunct="1">
@@ -12256,7 +10929,7 @@
               <a:defRPr/>
             </a:pPr>
             <a:r>
-              <a:rPr lang="en-US" sz="1400" dirty="0" smtClean="0">
+              <a:rPr lang="en-US" sz="1400" dirty="0">
                 <a:solidFill>
                   <a:schemeClr val="accent1">
                     <a:lumMod val="50000"/>
@@ -12264,29 +10937,7 @@
                 </a:solidFill>
                 <a:cs typeface="Calibri" pitchFamily="34" charset="0"/>
               </a:rPr>
-              <a:t>The goal of the project is to build </a:t>
-            </a:r>
-            <a:r>
-              <a:rPr lang="en-US" sz="1400" dirty="0">
-                <a:solidFill>
-                  <a:schemeClr val="accent1">
-                    <a:lumMod val="50000"/>
-                  </a:schemeClr>
-                </a:solidFill>
-                <a:cs typeface="Calibri" pitchFamily="34" charset="0"/>
-              </a:rPr>
-              <a:t>a web application </a:t>
-            </a:r>
-            <a:r>
-              <a:rPr lang="en-US" sz="1400" dirty="0" smtClean="0">
-                <a:solidFill>
-                  <a:schemeClr val="accent1">
-                    <a:lumMod val="50000"/>
-                  </a:schemeClr>
-                </a:solidFill>
-                <a:cs typeface="Calibri" pitchFamily="34" charset="0"/>
-              </a:rPr>
-              <a:t>targeted to prepare food plan that has below features:</a:t>
+              <a:t>The goal of the project is to build a web application targeted to prepare food plan that has below features:</a:t>
             </a:r>
           </a:p>
           <a:p>
@@ -12420,18 +11071,7 @@
                 </a:solidFill>
                 <a:cs typeface="Calibri" pitchFamily="34" charset="0"/>
               </a:rPr>
-              <a:t>Feedback app – simulated via web-app running on tab screen</a:t>
-            </a:r>
-            <a:r>
-              <a:rPr lang="en-GB" dirty="0" smtClean="0">
-                <a:solidFill>
-                  <a:schemeClr val="accent1">
-                    <a:lumMod val="50000"/>
-                  </a:schemeClr>
-                </a:solidFill>
-                <a:cs typeface="Calibri" pitchFamily="34" charset="0"/>
-              </a:rPr>
-              <a:t>.</a:t>
+              <a:t>Feedback app – simulated via web-app running on tab screen.</a:t>
             </a:r>
             <a:endParaRPr lang="en-IN" dirty="0">
               <a:solidFill>
@@ -12450,13 +11090,6 @@
     <a:masterClrMapping/>
   </p:clrMapOvr>
   <p:transition/>
-  <p:timing>
-    <p:tnLst>
-      <p:par>
-        <p:cTn id="1" dur="indefinite" restart="never" nodeType="tmRoot"/>
-      </p:par>
-    </p:tnLst>
-  </p:timing>
 </p:sld>
 </file>
 
@@ -12503,20 +11136,12 @@
               <a:defRPr/>
             </a:pPr>
             <a:r>
-              <a:rPr lang="en-US" sz="2200" dirty="0" smtClean="0"/>
+              <a:rPr lang="en-US" sz="2200" dirty="0"/>
               <a:t>System Overview</a:t>
             </a:r>
-            <a:r>
-              <a:rPr lang="en-US" sz="4000" dirty="0" smtClean="0"/>
-              <a:t/>
-            </a:r>
             <a:br>
-              <a:rPr lang="en-US" sz="4000" dirty="0" smtClean="0"/>
+              <a:rPr lang="en-US" sz="4000" dirty="0"/>
             </a:br>
-            <a:r>
-              <a:rPr lang="en-US" dirty="0"/>
-              <a:t/>
-            </a:r>
             <a:br>
               <a:rPr lang="en-US" dirty="0"/>
             </a:br>
@@ -12617,19 +11242,42 @@
           <a:noFill/>
         </p:spPr>
       </p:pic>
+      <p:pic>
+        <p:nvPicPr>
+          <p:cNvPr id="4" name="Picture 3">
+            <a:extLst>
+              <a:ext uri="{FF2B5EF4-FFF2-40B4-BE49-F238E27FC236}">
+                <a16:creationId xmlns:a16="http://schemas.microsoft.com/office/drawing/2014/main" id="{E7C6CC9A-041C-42A8-8571-1122793C122B}"/>
+              </a:ext>
+            </a:extLst>
+          </p:cNvPr>
+          <p:cNvPicPr>
+            <a:picLocks noChangeAspect="1"/>
+          </p:cNvPicPr>
+          <p:nvPr/>
+        </p:nvPicPr>
+        <p:blipFill>
+          <a:blip r:embed="rId3"/>
+          <a:stretch>
+            <a:fillRect/>
+          </a:stretch>
+        </p:blipFill>
+        <p:spPr>
+          <a:xfrm>
+            <a:off x="519112" y="1538287"/>
+            <a:ext cx="8105775" cy="3781425"/>
+          </a:xfrm>
+          <a:prstGeom prst="rect">
+            <a:avLst/>
+          </a:prstGeom>
+        </p:spPr>
+      </p:pic>
     </p:spTree>
   </p:cSld>
   <p:clrMapOvr>
     <a:masterClrMapping/>
   </p:clrMapOvr>
   <p:transition/>
-  <p:timing>
-    <p:tnLst>
-      <p:par>
-        <p:cTn id="1" dur="indefinite" restart="never" nodeType="tmRoot"/>
-      </p:par>
-    </p:tnLst>
-  </p:timing>
 </p:sld>
 </file>
 
@@ -12674,16 +11322,128 @@
               <a:defRPr/>
             </a:pPr>
             <a:r>
-              <a:rPr lang="en-US" dirty="0" smtClean="0"/>
-              <a:t>Themes &amp; Epics with business priority</a:t>
-            </a:r>
+              <a:rPr lang="en-US" dirty="0"/>
+              <a:t>Proposed Logical Architecture &amp; Technology Stack</a:t>
+            </a:r>
+          </a:p>
+        </p:txBody>
+      </p:sp>
+      <p:sp>
+        <p:nvSpPr>
+          <p:cNvPr id="1028" name="Rectangle 2"/>
+          <p:cNvSpPr>
+            <a:spLocks noChangeArrowheads="1"/>
+          </p:cNvSpPr>
+          <p:nvPr/>
+        </p:nvSpPr>
+        <p:spPr bwMode="auto">
+          <a:xfrm>
+            <a:off x="0" y="0"/>
+            <a:ext cx="9144000" cy="0"/>
+          </a:xfrm>
+          <a:prstGeom prst="rect">
+            <a:avLst/>
+          </a:prstGeom>
+          <a:noFill/>
+          <a:ln>
+            <a:noFill/>
+          </a:ln>
+          <a:extLst>
+            <a:ext uri="{909E8E84-426E-40DD-AFC4-6F175D3DCCD1}">
+              <a14:hiddenFill xmlns:a14="http://schemas.microsoft.com/office/drawing/2010/main">
+                <a:solidFill>
+                  <a:srgbClr val="FFFFFF"/>
+                </a:solidFill>
+              </a14:hiddenFill>
+            </a:ext>
+            <a:ext uri="{91240B29-F687-4F45-9708-019B960494DF}">
+              <a14:hiddenLine xmlns:a14="http://schemas.microsoft.com/office/drawing/2010/main" w="9525">
+                <a:solidFill>
+                  <a:srgbClr val="000000"/>
+                </a:solidFill>
+                <a:miter lim="800000"/>
+                <a:headEnd/>
+                <a:tailEnd/>
+              </a14:hiddenLine>
+            </a:ext>
+          </a:extLst>
+        </p:spPr>
+        <p:txBody>
+          <a:bodyPr wrap="none" anchor="ctr">
+            <a:spAutoFit/>
+          </a:bodyPr>
+          <a:lstStyle/>
+          <a:p>
             <a:endParaRPr lang="en-US" dirty="0"/>
+          </a:p>
+        </p:txBody>
+      </p:sp>
+      <p:sp>
+        <p:nvSpPr>
+          <p:cNvPr id="3" name="Rectangle 2"/>
+          <p:cNvSpPr>
+            <a:spLocks noChangeArrowheads="1"/>
+          </p:cNvSpPr>
+          <p:nvPr/>
+        </p:nvSpPr>
+        <p:spPr bwMode="auto">
+          <a:xfrm>
+            <a:off x="0" y="0"/>
+            <a:ext cx="9144000" cy="0"/>
+          </a:xfrm>
+          <a:prstGeom prst="rect">
+            <a:avLst/>
+          </a:prstGeom>
+          <a:noFill/>
+          <a:ln>
+            <a:noFill/>
+          </a:ln>
+          <a:effectLst/>
+          <a:extLst>
+            <a:ext uri="{909E8E84-426E-40DD-AFC4-6F175D3DCCD1}">
+              <a14:hiddenFill xmlns:a14="http://schemas.microsoft.com/office/drawing/2010/main">
+                <a:solidFill>
+                  <a:schemeClr val="accent1"/>
+                </a:solidFill>
+              </a14:hiddenFill>
+            </a:ext>
+            <a:ext uri="{91240B29-F687-4F45-9708-019B960494DF}">
+              <a14:hiddenLine xmlns:a14="http://schemas.microsoft.com/office/drawing/2010/main" w="9525">
+                <a:solidFill>
+                  <a:schemeClr val="tx1"/>
+                </a:solidFill>
+                <a:miter lim="800000"/>
+                <a:headEnd/>
+                <a:tailEnd/>
+              </a14:hiddenLine>
+            </a:ext>
+            <a:ext uri="{AF507438-7753-43E0-B8FC-AC1667EBCBE1}">
+              <a14:hiddenEffects xmlns:a14="http://schemas.microsoft.com/office/drawing/2010/main">
+                <a:effectLst>
+                  <a:outerShdw dist="35921" dir="2700000" algn="ctr" rotWithShape="0">
+                    <a:schemeClr val="bg2"/>
+                  </a:outerShdw>
+                </a:effectLst>
+              </a14:hiddenEffects>
+            </a:ext>
+          </a:extLst>
+        </p:spPr>
+        <p:txBody>
+          <a:bodyPr vert="horz" wrap="none" lIns="91440" tIns="45720" rIns="91440" bIns="45720" numCol="1" anchor="ctr" anchorCtr="0" compatLnSpc="1">
+            <a:prstTxWarp prst="textNoShape">
+              <a:avLst/>
+            </a:prstTxWarp>
+            <a:spAutoFit/>
+          </a:bodyPr>
+          <a:lstStyle/>
+          <a:p>
+            <a:endParaRPr lang="en-US"/>
           </a:p>
         </p:txBody>
       </p:sp>
       <p:pic>
         <p:nvPicPr>
-          <p:cNvPr id="3" name="Picture 2"/>
+          <p:cNvPr id="5" name="Picture 4"/>
           <p:cNvPicPr>
             <a:picLocks noChangeAspect="1"/>
           </p:cNvPicPr>
@@ -12703,8 +11463,8 @@
         </p:blipFill>
         <p:spPr>
           <a:xfrm>
-            <a:off x="0" y="831809"/>
-            <a:ext cx="9144000" cy="5194381"/>
+            <a:off x="2305050" y="1752600"/>
+            <a:ext cx="4533900" cy="4067175"/>
           </a:xfrm>
           <a:prstGeom prst="rect">
             <a:avLst/>
@@ -12712,23 +11472,11 @@
         </p:spPr>
       </p:pic>
     </p:spTree>
-    <p:extLst>
-      <p:ext uri="{BB962C8B-B14F-4D97-AF65-F5344CB8AC3E}">
-        <p14:creationId xmlns:p14="http://schemas.microsoft.com/office/powerpoint/2010/main" val="3978647256"/>
-      </p:ext>
-    </p:extLst>
   </p:cSld>
   <p:clrMapOvr>
     <a:masterClrMapping/>
   </p:clrMapOvr>
   <p:transition/>
-  <p:timing>
-    <p:tnLst>
-      <p:par>
-        <p:cTn id="1" dur="indefinite" restart="never" nodeType="tmRoot"/>
-      </p:par>
-    </p:tnLst>
-  </p:timing>
 </p:sld>
 </file>
 
@@ -12773,143 +11521,46 @@
               <a:defRPr/>
             </a:pPr>
             <a:r>
-              <a:rPr lang="en-US" dirty="0" smtClean="0"/>
-              <a:t>Model Diagram</a:t>
-            </a:r>
-            <a:endParaRPr lang="en-US" dirty="0"/>
+              <a:rPr lang="en-US" dirty="0"/>
+              <a:t>Themes &amp; Epics with business priority</a:t>
+            </a:r>
           </a:p>
         </p:txBody>
       </p:sp>
-      <p:sp>
-        <p:nvSpPr>
-          <p:cNvPr id="3" name="Rectangle 2"/>
-          <p:cNvSpPr>
-            <a:spLocks noChangeArrowheads="1"/>
-          </p:cNvSpPr>
+      <p:pic>
+        <p:nvPicPr>
+          <p:cNvPr id="3" name="Picture 2"/>
+          <p:cNvPicPr>
+            <a:picLocks noChangeAspect="1"/>
+          </p:cNvPicPr>
           <p:nvPr/>
-        </p:nvSpPr>
-        <p:spPr bwMode="auto">
-          <a:xfrm>
-            <a:off x="0" y="0"/>
-            <a:ext cx="9144000" cy="0"/>
-          </a:xfrm>
-          <a:prstGeom prst="rect">
-            <a:avLst/>
-          </a:prstGeom>
-          <a:noFill/>
-          <a:ln>
-            <a:noFill/>
-          </a:ln>
-          <a:effectLst/>
-          <a:extLst>
-            <a:ext uri="{909E8E84-426E-40DD-AFC4-6F175D3DCCD1}">
-              <a14:hiddenFill xmlns:a14="http://schemas.microsoft.com/office/drawing/2010/main">
-                <a:solidFill>
-                  <a:schemeClr val="accent1"/>
-                </a:solidFill>
-              </a14:hiddenFill>
-            </a:ext>
-            <a:ext uri="{91240B29-F687-4F45-9708-019B960494DF}">
-              <a14:hiddenLine xmlns:a14="http://schemas.microsoft.com/office/drawing/2010/main" w="9525">
-                <a:solidFill>
-                  <a:schemeClr val="tx1"/>
-                </a:solidFill>
-                <a:miter lim="800000"/>
-                <a:headEnd/>
-                <a:tailEnd/>
-              </a14:hiddenLine>
-            </a:ext>
-            <a:ext uri="{AF507438-7753-43E0-B8FC-AC1667EBCBE1}">
-              <a14:hiddenEffects xmlns:a14="http://schemas.microsoft.com/office/drawing/2010/main">
-                <a:effectLst>
-                  <a:outerShdw dist="35921" dir="2700000" algn="ctr" rotWithShape="0">
-                    <a:schemeClr val="bg2"/>
-                  </a:outerShdw>
-                </a:effectLst>
-              </a14:hiddenEffects>
-            </a:ext>
-          </a:extLst>
-        </p:spPr>
-        <p:txBody>
-          <a:bodyPr vert="horz" wrap="none" lIns="91440" tIns="45720" rIns="91440" bIns="45720" numCol="1" anchor="ctr" anchorCtr="0" compatLnSpc="1">
-            <a:prstTxWarp prst="textNoShape">
-              <a:avLst/>
-            </a:prstTxWarp>
-            <a:spAutoFit/>
-          </a:bodyPr>
-          <a:lstStyle/>
-          <a:p>
-            <a:endParaRPr lang="en-US" dirty="0"/>
-          </a:p>
-        </p:txBody>
-      </p:sp>
-      <p:sp>
-        <p:nvSpPr>
-          <p:cNvPr id="5" name="Rectangle 2"/>
-          <p:cNvSpPr>
-            <a:spLocks noChangeArrowheads="1"/>
-          </p:cNvSpPr>
-          <p:nvPr/>
-        </p:nvSpPr>
-        <p:spPr bwMode="auto">
-          <a:xfrm>
-            <a:off x="0" y="0"/>
-            <a:ext cx="9144000" cy="0"/>
-          </a:xfrm>
-          <a:prstGeom prst="rect">
-            <a:avLst/>
-          </a:prstGeom>
-          <a:noFill/>
-          <a:ln>
-            <a:noFill/>
-          </a:ln>
-          <a:effectLst/>
-          <a:extLst>
-            <a:ext uri="{909E8E84-426E-40DD-AFC4-6F175D3DCCD1}">
-              <a14:hiddenFill xmlns:a14="http://schemas.microsoft.com/office/drawing/2010/main">
-                <a:solidFill>
-                  <a:schemeClr val="accent1"/>
-                </a:solidFill>
-              </a14:hiddenFill>
-            </a:ext>
-            <a:ext uri="{91240B29-F687-4F45-9708-019B960494DF}">
-              <a14:hiddenLine xmlns:a14="http://schemas.microsoft.com/office/drawing/2010/main" w="9525">
-                <a:solidFill>
-                  <a:schemeClr val="tx1"/>
-                </a:solidFill>
-                <a:miter lim="800000"/>
-                <a:headEnd/>
-                <a:tailEnd/>
-              </a14:hiddenLine>
-            </a:ext>
-            <a:ext uri="{AF507438-7753-43E0-B8FC-AC1667EBCBE1}">
-              <a14:hiddenEffects xmlns:a14="http://schemas.microsoft.com/office/drawing/2010/main">
-                <a:effectLst>
-                  <a:outerShdw dist="35921" dir="2700000" algn="ctr" rotWithShape="0">
-                    <a:schemeClr val="bg2"/>
-                  </a:outerShdw>
-                </a:effectLst>
-              </a14:hiddenEffects>
-            </a:ext>
-          </a:extLst>
-        </p:spPr>
-        <p:txBody>
-          <a:bodyPr vert="horz" wrap="none" lIns="91440" tIns="45720" rIns="91440" bIns="45720" numCol="1" anchor="ctr" anchorCtr="0" compatLnSpc="1">
-            <a:prstTxWarp prst="textNoShape">
-              <a:avLst/>
-            </a:prstTxWarp>
-            <a:spAutoFit/>
-          </a:bodyPr>
-          <a:lstStyle/>
-          <a:p>
-            <a:endParaRPr lang="en-US" dirty="0"/>
-          </a:p>
-        </p:txBody>
-      </p:sp>
+        </p:nvPicPr>
+        <p:blipFill>
+          <a:blip r:embed="rId2">
+            <a:extLst>
+              <a:ext uri="{28A0092B-C50C-407E-A947-70E740481C1C}">
+                <a14:useLocalDpi xmlns:a14="http://schemas.microsoft.com/office/drawing/2010/main" val="0"/>
+              </a:ext>
+            </a:extLst>
+          </a:blip>
+          <a:stretch>
+            <a:fillRect/>
+          </a:stretch>
+        </p:blipFill>
+        <p:spPr>
+          <a:xfrm>
+            <a:off x="0" y="831809"/>
+            <a:ext cx="9144000" cy="5194381"/>
+          </a:xfrm>
+          <a:prstGeom prst="rect">
+            <a:avLst/>
+          </a:prstGeom>
+        </p:spPr>
+      </p:pic>
     </p:spTree>
     <p:extLst>
       <p:ext uri="{BB962C8B-B14F-4D97-AF65-F5344CB8AC3E}">
-        <p14:creationId xmlns:p14="http://schemas.microsoft.com/office/powerpoint/2010/main" val="2998101072"/>
+        <p14:creationId xmlns:p14="http://schemas.microsoft.com/office/powerpoint/2010/main" val="3978647256"/>
       </p:ext>
     </p:extLst>
   </p:cSld>
@@ -12917,13 +11568,6 @@
     <a:masterClrMapping/>
   </p:clrMapOvr>
   <p:transition/>
-  <p:timing>
-    <p:tnLst>
-      <p:par>
-        <p:cTn id="1" dur="indefinite" restart="never" nodeType="tmRoot"/>
-      </p:par>
-    </p:tnLst>
-  </p:timing>
 </p:sld>
 </file>
 
@@ -12968,16 +11612,15 @@
               <a:defRPr/>
             </a:pPr>
             <a:r>
-              <a:rPr lang="en-US" dirty="0" smtClean="0"/>
-              <a:t>Proposed Logical Architecture &amp; Technology Stack</a:t>
-            </a:r>
-            <a:endParaRPr lang="en-US" dirty="0"/>
+              <a:rPr lang="en-US" dirty="0"/>
+              <a:t>Environment</a:t>
+            </a:r>
           </a:p>
         </p:txBody>
       </p:sp>
       <p:sp>
         <p:nvSpPr>
-          <p:cNvPr id="1028" name="Rectangle 2"/>
+          <p:cNvPr id="4100" name="Rectangle 2"/>
           <p:cNvSpPr>
             <a:spLocks noChangeArrowheads="1"/>
           </p:cNvSpPr>
@@ -13016,7 +11659,7 @@
           </a:extLst>
         </p:spPr>
         <p:txBody>
-          <a:bodyPr wrap="none" anchor="ctr">
+          <a:bodyPr anchor="ctr">
             <a:spAutoFit/>
           </a:bodyPr>
           <a:lstStyle/>
@@ -13027,7 +11670,7 @@
       </p:sp>
       <p:sp>
         <p:nvSpPr>
-          <p:cNvPr id="3" name="Rectangle 2"/>
+          <p:cNvPr id="3" name="Rectangle 64"/>
           <p:cNvSpPr>
             <a:spLocks noChangeArrowheads="1"/>
           </p:cNvSpPr>
@@ -13084,16 +11727,14 @@
           </a:bodyPr>
           <a:lstStyle/>
           <a:p>
-            <a:endParaRPr lang="en-US"/>
+            <a:endParaRPr lang="en-US" dirty="0"/>
           </a:p>
         </p:txBody>
       </p:sp>
       <p:pic>
         <p:nvPicPr>
-          <p:cNvPr id="5" name="Picture 4"/>
-          <p:cNvPicPr>
-            <a:picLocks noChangeAspect="1"/>
-          </p:cNvPicPr>
+          <p:cNvPr id="6" name="Picture 5"/>
+          <p:cNvPicPr/>
           <p:nvPr/>
         </p:nvPicPr>
         <p:blipFill>
@@ -13110,8 +11751,8 @@
         </p:blipFill>
         <p:spPr>
           <a:xfrm>
-            <a:off x="2305050" y="1752600"/>
-            <a:ext cx="4533900" cy="4067175"/>
+            <a:off x="1600200" y="1458912"/>
+            <a:ext cx="5943600" cy="3940175"/>
           </a:xfrm>
           <a:prstGeom prst="rect">
             <a:avLst/>
@@ -13124,13 +11765,6 @@
     <a:masterClrMapping/>
   </p:clrMapOvr>
   <p:transition/>
-  <p:timing>
-    <p:tnLst>
-      <p:par>
-        <p:cTn id="1" dur="indefinite" restart="never" nodeType="tmRoot"/>
-      </p:par>
-    </p:tnLst>
-  </p:timing>
 </p:sld>
 </file>
 
@@ -13175,167 +11809,578 @@
               <a:defRPr/>
             </a:pPr>
             <a:r>
-              <a:rPr lang="en-US" dirty="0" smtClean="0"/>
-              <a:t>Environment</a:t>
-            </a:r>
-            <a:endParaRPr lang="en-US" dirty="0"/>
+              <a:rPr lang="en-US" dirty="0"/>
+              <a:t>Epics – Iterations Plan</a:t>
+            </a:r>
           </a:p>
         </p:txBody>
       </p:sp>
       <p:sp>
         <p:nvSpPr>
-          <p:cNvPr id="4100" name="Rectangle 2"/>
+          <p:cNvPr id="3" name="Subtitle 2"/>
           <p:cNvSpPr>
-            <a:spLocks noChangeArrowheads="1"/>
+            <a:spLocks noGrp="1"/>
           </p:cNvSpPr>
-          <p:nvPr/>
+          <p:nvPr>
+            <p:ph type="body" sz="quarter" idx="13"/>
+          </p:nvPr>
         </p:nvSpPr>
-        <p:spPr bwMode="auto">
-          <a:xfrm>
-            <a:off x="0" y="0"/>
-            <a:ext cx="9144000" cy="0"/>
-          </a:xfrm>
-          <a:prstGeom prst="rect">
-            <a:avLst/>
-          </a:prstGeom>
-          <a:noFill/>
-          <a:ln>
-            <a:noFill/>
-          </a:ln>
-          <a:extLst>
-            <a:ext uri="{909E8E84-426E-40DD-AFC4-6F175D3DCCD1}">
-              <a14:hiddenFill xmlns:a14="http://schemas.microsoft.com/office/drawing/2010/main">
-                <a:solidFill>
-                  <a:srgbClr val="FFFFFF"/>
-                </a:solidFill>
-              </a14:hiddenFill>
-            </a:ext>
-            <a:ext uri="{91240B29-F687-4F45-9708-019B960494DF}">
-              <a14:hiddenLine xmlns:a14="http://schemas.microsoft.com/office/drawing/2010/main" w="9525">
-                <a:solidFill>
-                  <a:srgbClr val="000000"/>
-                </a:solidFill>
-                <a:miter lim="800000"/>
-                <a:headEnd/>
-                <a:tailEnd/>
-              </a14:hiddenLine>
-            </a:ext>
-          </a:extLst>
+        <p:spPr>
+          <a:xfrm>
+            <a:off x="465138" y="1322388"/>
+            <a:ext cx="8437562" cy="5268912"/>
+          </a:xfrm>
         </p:spPr>
         <p:txBody>
-          <a:bodyPr anchor="ctr">
-            <a:spAutoFit/>
+          <a:bodyPr>
+            <a:normAutofit fontScale="92500" lnSpcReduction="10000"/>
           </a:bodyPr>
           <a:lstStyle/>
           <a:p>
-            <a:endParaRPr lang="en-US" dirty="0"/>
+            <a:pPr marL="0" indent="0" eaLnBrk="1" hangingPunct="1">
+              <a:buFont typeface="Wingdings" charset="2"/>
+              <a:buNone/>
+              <a:defRPr/>
+            </a:pPr>
+            <a:r>
+              <a:rPr lang="en-US" sz="2000" dirty="0">
+                <a:solidFill>
+                  <a:schemeClr val="tx2">
+                    <a:lumMod val="90000"/>
+                    <a:lumOff val="10000"/>
+                  </a:schemeClr>
+                </a:solidFill>
+                <a:cs typeface="Arial" pitchFamily="34" charset="0"/>
+              </a:rPr>
+              <a:t>Iteration 1 – Deliverables</a:t>
+            </a:r>
+          </a:p>
+          <a:p>
+            <a:pPr lvl="2" indent="-457200" eaLnBrk="1" hangingPunct="1">
+              <a:spcBef>
+                <a:spcPts val="0"/>
+              </a:spcBef>
+              <a:buClrTx/>
+              <a:buSzTx/>
+              <a:buFont typeface="Arial" pitchFamily="34" charset="0"/>
+              <a:buChar char="•"/>
+              <a:defRPr/>
+            </a:pPr>
+            <a:r>
+              <a:rPr lang="en-US" sz="1400" dirty="0">
+                <a:solidFill>
+                  <a:schemeClr val="tx2">
+                    <a:lumMod val="90000"/>
+                    <a:lumOff val="10000"/>
+                  </a:schemeClr>
+                </a:solidFill>
+              </a:rPr>
+              <a:t>Environment Setup</a:t>
+            </a:r>
+          </a:p>
+          <a:p>
+            <a:pPr lvl="2" indent="-457200" eaLnBrk="1" hangingPunct="1">
+              <a:spcBef>
+                <a:spcPts val="0"/>
+              </a:spcBef>
+              <a:buClrTx/>
+              <a:buSzTx/>
+              <a:buFont typeface="Arial" pitchFamily="34" charset="0"/>
+              <a:buChar char="•"/>
+              <a:defRPr/>
+            </a:pPr>
+            <a:r>
+              <a:rPr lang="en-US" sz="1400" dirty="0">
+                <a:solidFill>
+                  <a:schemeClr val="tx2">
+                    <a:lumMod val="90000"/>
+                    <a:lumOff val="10000"/>
+                  </a:schemeClr>
+                </a:solidFill>
+              </a:rPr>
+              <a:t>Technical Readiness</a:t>
+            </a:r>
+          </a:p>
+          <a:p>
+            <a:pPr lvl="2" indent="-457200" eaLnBrk="1" hangingPunct="1">
+              <a:spcBef>
+                <a:spcPts val="0"/>
+              </a:spcBef>
+              <a:buClrTx/>
+              <a:buSzTx/>
+              <a:buFont typeface="Arial" pitchFamily="34" charset="0"/>
+              <a:buChar char="•"/>
+              <a:defRPr/>
+            </a:pPr>
+            <a:r>
+              <a:rPr lang="en-US" sz="1400" dirty="0">
+                <a:solidFill>
+                  <a:schemeClr val="tx2">
+                    <a:lumMod val="90000"/>
+                    <a:lumOff val="10000"/>
+                  </a:schemeClr>
+                </a:solidFill>
+              </a:rPr>
+              <a:t>Login Implementation</a:t>
+            </a:r>
+          </a:p>
+          <a:p>
+            <a:pPr lvl="2" indent="-457200" eaLnBrk="1" hangingPunct="1">
+              <a:spcBef>
+                <a:spcPts val="0"/>
+              </a:spcBef>
+              <a:buClrTx/>
+              <a:buSzTx/>
+              <a:buFont typeface="Arial" pitchFamily="34" charset="0"/>
+              <a:buChar char="•"/>
+              <a:defRPr/>
+            </a:pPr>
+            <a:r>
+              <a:rPr lang="en-US" sz="1400" dirty="0">
+                <a:solidFill>
+                  <a:schemeClr val="tx2">
+                    <a:lumMod val="90000"/>
+                    <a:lumOff val="10000"/>
+                  </a:schemeClr>
+                </a:solidFill>
+              </a:rPr>
+              <a:t>Feed back Implementation</a:t>
+            </a:r>
+          </a:p>
+          <a:p>
+            <a:pPr lvl="2" indent="-457200" eaLnBrk="1" hangingPunct="1">
+              <a:spcBef>
+                <a:spcPts val="0"/>
+              </a:spcBef>
+              <a:buClrTx/>
+              <a:buSzTx/>
+              <a:buFont typeface="Arial" pitchFamily="34" charset="0"/>
+              <a:buChar char="•"/>
+              <a:defRPr/>
+            </a:pPr>
+            <a:r>
+              <a:rPr lang="en-US" sz="1400" dirty="0">
+                <a:solidFill>
+                  <a:schemeClr val="tx2">
+                    <a:lumMod val="90000"/>
+                    <a:lumOff val="10000"/>
+                  </a:schemeClr>
+                </a:solidFill>
+              </a:rPr>
+              <a:t>Project Management</a:t>
+            </a:r>
+          </a:p>
+          <a:p>
+            <a:pPr marL="0" indent="0" eaLnBrk="1" hangingPunct="1">
+              <a:buFont typeface="Wingdings" charset="2"/>
+              <a:buNone/>
+              <a:defRPr/>
+            </a:pPr>
+            <a:r>
+              <a:rPr lang="en-US" sz="2000" dirty="0">
+                <a:solidFill>
+                  <a:schemeClr val="tx2">
+                    <a:lumMod val="90000"/>
+                    <a:lumOff val="10000"/>
+                  </a:schemeClr>
+                </a:solidFill>
+                <a:cs typeface="Arial" pitchFamily="34" charset="0"/>
+              </a:rPr>
+              <a:t>Iteration 2 – Deliverables</a:t>
+            </a:r>
+          </a:p>
+          <a:p>
+            <a:pPr lvl="2" indent="-457200" eaLnBrk="1" hangingPunct="1">
+              <a:spcBef>
+                <a:spcPts val="0"/>
+              </a:spcBef>
+              <a:buClrTx/>
+              <a:buSzTx/>
+              <a:buFont typeface="Arial" pitchFamily="34" charset="0"/>
+              <a:buChar char="•"/>
+              <a:defRPr/>
+            </a:pPr>
+            <a:r>
+              <a:rPr lang="en-US" sz="1400" dirty="0">
+                <a:solidFill>
+                  <a:schemeClr val="tx2">
+                    <a:lumMod val="90000"/>
+                    <a:lumOff val="10000"/>
+                  </a:schemeClr>
+                </a:solidFill>
+              </a:rPr>
+              <a:t>User Perspective--Order Management( Place &amp; View Order)</a:t>
+            </a:r>
+          </a:p>
+          <a:p>
+            <a:pPr lvl="2" indent="-457200" eaLnBrk="1" hangingPunct="1">
+              <a:spcBef>
+                <a:spcPts val="0"/>
+              </a:spcBef>
+              <a:buClrTx/>
+              <a:buSzTx/>
+              <a:buFont typeface="Arial" pitchFamily="34" charset="0"/>
+              <a:buChar char="•"/>
+              <a:defRPr/>
+            </a:pPr>
+            <a:r>
+              <a:rPr lang="en-US" sz="1400" dirty="0">
+                <a:solidFill>
+                  <a:schemeClr val="tx2">
+                    <a:lumMod val="90000"/>
+                    <a:lumOff val="10000"/>
+                  </a:schemeClr>
+                </a:solidFill>
+              </a:rPr>
+              <a:t>Admin Perspective—Inventory Management(View Stock)</a:t>
+            </a:r>
+          </a:p>
+          <a:p>
+            <a:pPr lvl="2" indent="-457200" eaLnBrk="1" hangingPunct="1">
+              <a:spcBef>
+                <a:spcPts val="0"/>
+              </a:spcBef>
+              <a:buClrTx/>
+              <a:buSzTx/>
+              <a:buFont typeface="Arial" pitchFamily="34" charset="0"/>
+              <a:buChar char="•"/>
+              <a:defRPr/>
+            </a:pPr>
+            <a:r>
+              <a:rPr lang="en-US" sz="1400" dirty="0">
+                <a:solidFill>
+                  <a:schemeClr val="tx2">
+                    <a:lumMod val="90000"/>
+                    <a:lumOff val="10000"/>
+                  </a:schemeClr>
+                </a:solidFill>
+              </a:rPr>
+              <a:t>Rule Engine Framework</a:t>
+            </a:r>
+          </a:p>
+          <a:p>
+            <a:pPr lvl="2" indent="-457200" eaLnBrk="1" hangingPunct="1">
+              <a:spcBef>
+                <a:spcPts val="0"/>
+              </a:spcBef>
+              <a:buClrTx/>
+              <a:buSzTx/>
+              <a:buFont typeface="Arial" pitchFamily="34" charset="0"/>
+              <a:buChar char="•"/>
+              <a:defRPr/>
+            </a:pPr>
+            <a:r>
+              <a:rPr lang="en-US" sz="1400" dirty="0">
+                <a:solidFill>
+                  <a:schemeClr val="tx2">
+                    <a:lumMod val="90000"/>
+                    <a:lumOff val="10000"/>
+                  </a:schemeClr>
+                </a:solidFill>
+              </a:rPr>
+              <a:t>CI/CD Implementation</a:t>
+            </a:r>
+          </a:p>
+          <a:p>
+            <a:pPr lvl="2" indent="-457200" eaLnBrk="1" hangingPunct="1">
+              <a:spcBef>
+                <a:spcPts val="0"/>
+              </a:spcBef>
+              <a:buClrTx/>
+              <a:buSzTx/>
+              <a:buFont typeface="Arial" pitchFamily="34" charset="0"/>
+              <a:buChar char="•"/>
+              <a:defRPr/>
+            </a:pPr>
+            <a:r>
+              <a:rPr lang="en-US" sz="1400" dirty="0">
+                <a:solidFill>
+                  <a:schemeClr val="tx2">
+                    <a:lumMod val="90000"/>
+                    <a:lumOff val="10000"/>
+                  </a:schemeClr>
+                </a:solidFill>
+              </a:rPr>
+              <a:t>User– Loyalty Program</a:t>
+            </a:r>
+          </a:p>
+          <a:p>
+            <a:pPr lvl="2" indent="-457200" eaLnBrk="1" hangingPunct="1">
+              <a:spcBef>
+                <a:spcPts val="0"/>
+              </a:spcBef>
+              <a:buClrTx/>
+              <a:buSzTx/>
+              <a:buFont typeface="Arial" pitchFamily="34" charset="0"/>
+              <a:buChar char="•"/>
+              <a:defRPr/>
+            </a:pPr>
+            <a:r>
+              <a:rPr lang="en-US" sz="1400" dirty="0">
+                <a:solidFill>
+                  <a:schemeClr val="tx2">
+                    <a:lumMod val="90000"/>
+                    <a:lumOff val="10000"/>
+                  </a:schemeClr>
+                </a:solidFill>
+              </a:rPr>
+              <a:t>Project Management</a:t>
+            </a:r>
+          </a:p>
+          <a:p>
+            <a:pPr marL="0" indent="0" eaLnBrk="1" hangingPunct="1">
+              <a:buFont typeface="Wingdings" charset="2"/>
+              <a:buNone/>
+              <a:defRPr/>
+            </a:pPr>
+            <a:r>
+              <a:rPr lang="en-US" sz="2000" dirty="0">
+                <a:solidFill>
+                  <a:schemeClr val="tx2">
+                    <a:lumMod val="90000"/>
+                    <a:lumOff val="10000"/>
+                  </a:schemeClr>
+                </a:solidFill>
+                <a:cs typeface="Arial" pitchFamily="34" charset="0"/>
+              </a:rPr>
+              <a:t>Iteration 3 - Deliverables</a:t>
+            </a:r>
+          </a:p>
+          <a:p>
+            <a:pPr lvl="2" indent="-457200" eaLnBrk="1" hangingPunct="1">
+              <a:spcBef>
+                <a:spcPts val="0"/>
+              </a:spcBef>
+              <a:buClrTx/>
+              <a:buSzTx/>
+              <a:buFont typeface="Arial" pitchFamily="34" charset="0"/>
+              <a:buChar char="•"/>
+              <a:defRPr/>
+            </a:pPr>
+            <a:r>
+              <a:rPr lang="en-US" sz="1400" dirty="0">
+                <a:solidFill>
+                  <a:schemeClr val="tx2">
+                    <a:lumMod val="90000"/>
+                    <a:lumOff val="10000"/>
+                  </a:schemeClr>
+                </a:solidFill>
+              </a:rPr>
+              <a:t>Admin Perspective— Order Management</a:t>
+            </a:r>
+          </a:p>
+          <a:p>
+            <a:pPr lvl="2" indent="-457200" eaLnBrk="1" hangingPunct="1">
+              <a:spcBef>
+                <a:spcPts val="0"/>
+              </a:spcBef>
+              <a:buClrTx/>
+              <a:buSzTx/>
+              <a:buFont typeface="Arial" pitchFamily="34" charset="0"/>
+              <a:buChar char="•"/>
+              <a:defRPr/>
+            </a:pPr>
+            <a:r>
+              <a:rPr lang="en-US" sz="1400" dirty="0">
+                <a:solidFill>
+                  <a:schemeClr val="tx2">
+                    <a:lumMod val="90000"/>
+                    <a:lumOff val="10000"/>
+                  </a:schemeClr>
+                </a:solidFill>
+              </a:rPr>
+              <a:t>Rule Engine –Food Patterns</a:t>
+            </a:r>
+          </a:p>
+          <a:p>
+            <a:pPr lvl="2" indent="-457200" eaLnBrk="1" hangingPunct="1">
+              <a:spcBef>
+                <a:spcPts val="0"/>
+              </a:spcBef>
+              <a:buClrTx/>
+              <a:buSzTx/>
+              <a:buFont typeface="Arial" pitchFamily="34" charset="0"/>
+              <a:buChar char="•"/>
+              <a:defRPr/>
+            </a:pPr>
+            <a:r>
+              <a:rPr lang="en-US" sz="1400" dirty="0">
+                <a:solidFill>
+                  <a:schemeClr val="tx2">
+                    <a:lumMod val="90000"/>
+                    <a:lumOff val="10000"/>
+                  </a:schemeClr>
+                </a:solidFill>
+              </a:rPr>
+              <a:t>Reports</a:t>
+            </a:r>
+          </a:p>
+          <a:p>
+            <a:pPr lvl="2" indent="-457200" eaLnBrk="1" hangingPunct="1">
+              <a:spcBef>
+                <a:spcPts val="0"/>
+              </a:spcBef>
+              <a:buClrTx/>
+              <a:buSzTx/>
+              <a:buFont typeface="Arial" pitchFamily="34" charset="0"/>
+              <a:buChar char="•"/>
+              <a:defRPr/>
+            </a:pPr>
+            <a:r>
+              <a:rPr lang="en-US" sz="1400" dirty="0">
+                <a:solidFill>
+                  <a:schemeClr val="tx2">
+                    <a:lumMod val="90000"/>
+                    <a:lumOff val="10000"/>
+                  </a:schemeClr>
+                </a:solidFill>
+              </a:rPr>
+              <a:t>Inventory  Management</a:t>
+            </a:r>
+          </a:p>
+          <a:p>
+            <a:pPr marL="91440" lvl="2" indent="0" eaLnBrk="1" hangingPunct="1">
+              <a:spcBef>
+                <a:spcPts val="0"/>
+              </a:spcBef>
+              <a:buClrTx/>
+              <a:buSzTx/>
+              <a:buNone/>
+              <a:defRPr/>
+            </a:pPr>
+            <a:endParaRPr lang="en-US" sz="2000" dirty="0">
+              <a:solidFill>
+                <a:schemeClr val="tx2">
+                  <a:lumMod val="90000"/>
+                  <a:lumOff val="10000"/>
+                </a:schemeClr>
+              </a:solidFill>
+              <a:cs typeface="Arial" pitchFamily="34" charset="0"/>
+            </a:endParaRPr>
+          </a:p>
+          <a:p>
+            <a:pPr marL="91440" lvl="2" indent="0" eaLnBrk="1" hangingPunct="1">
+              <a:spcBef>
+                <a:spcPts val="0"/>
+              </a:spcBef>
+              <a:buClrTx/>
+              <a:buSzTx/>
+              <a:buNone/>
+              <a:defRPr/>
+            </a:pPr>
+            <a:r>
+              <a:rPr lang="en-US" sz="2000" dirty="0">
+                <a:solidFill>
+                  <a:schemeClr val="tx2">
+                    <a:lumMod val="90000"/>
+                    <a:lumOff val="10000"/>
+                  </a:schemeClr>
+                </a:solidFill>
+                <a:cs typeface="Arial" pitchFamily="34" charset="0"/>
+              </a:rPr>
+              <a:t>Iteration 4 – Deliverables</a:t>
+            </a:r>
+          </a:p>
+          <a:p>
+            <a:pPr lvl="2" indent="-457200" eaLnBrk="1" hangingPunct="1">
+              <a:spcBef>
+                <a:spcPts val="0"/>
+              </a:spcBef>
+              <a:buClrTx/>
+              <a:buSzTx/>
+              <a:buFont typeface="Arial" pitchFamily="34" charset="0"/>
+              <a:buChar char="•"/>
+              <a:defRPr/>
+            </a:pPr>
+            <a:r>
+              <a:rPr lang="en-US" sz="1400" dirty="0">
+                <a:solidFill>
+                  <a:schemeClr val="tx2">
+                    <a:lumMod val="90000"/>
+                    <a:lumOff val="10000"/>
+                  </a:schemeClr>
+                </a:solidFill>
+              </a:rPr>
+              <a:t>Rule Engine –Food Patterns\</a:t>
+            </a:r>
+          </a:p>
+          <a:p>
+            <a:pPr lvl="2" indent="-457200" eaLnBrk="1" hangingPunct="1">
+              <a:spcBef>
+                <a:spcPts val="0"/>
+              </a:spcBef>
+              <a:buClrTx/>
+              <a:buSzTx/>
+              <a:buFont typeface="Arial" pitchFamily="34" charset="0"/>
+              <a:buChar char="•"/>
+              <a:defRPr/>
+            </a:pPr>
+            <a:r>
+              <a:rPr lang="en-US" sz="1400" dirty="0">
+                <a:solidFill>
+                  <a:schemeClr val="tx2">
+                    <a:lumMod val="90000"/>
+                    <a:lumOff val="10000"/>
+                  </a:schemeClr>
+                </a:solidFill>
+              </a:rPr>
+              <a:t>Order Management</a:t>
+            </a:r>
+          </a:p>
+          <a:p>
+            <a:pPr lvl="2" indent="-457200" eaLnBrk="1" hangingPunct="1">
+              <a:spcBef>
+                <a:spcPts val="0"/>
+              </a:spcBef>
+              <a:buClrTx/>
+              <a:buSzTx/>
+              <a:buFont typeface="Arial" pitchFamily="34" charset="0"/>
+              <a:buChar char="•"/>
+              <a:defRPr/>
+            </a:pPr>
+            <a:r>
+              <a:rPr lang="en-US" sz="1400" dirty="0">
+                <a:solidFill>
+                  <a:schemeClr val="tx2">
+                    <a:lumMod val="90000"/>
+                    <a:lumOff val="10000"/>
+                  </a:schemeClr>
+                </a:solidFill>
+              </a:rPr>
+              <a:t>Reports</a:t>
+            </a:r>
+          </a:p>
+          <a:p>
+            <a:pPr lvl="2" indent="-457200" eaLnBrk="1" hangingPunct="1">
+              <a:spcBef>
+                <a:spcPts val="0"/>
+              </a:spcBef>
+              <a:buClrTx/>
+              <a:buSzTx/>
+              <a:buFont typeface="Arial" pitchFamily="34" charset="0"/>
+              <a:buChar char="•"/>
+              <a:defRPr/>
+            </a:pPr>
+            <a:r>
+              <a:rPr lang="en-US" sz="1400" dirty="0">
+                <a:solidFill>
+                  <a:schemeClr val="tx2">
+                    <a:lumMod val="90000"/>
+                    <a:lumOff val="10000"/>
+                  </a:schemeClr>
+                </a:solidFill>
+              </a:rPr>
+              <a:t>Project Management</a:t>
+            </a:r>
           </a:p>
         </p:txBody>
       </p:sp>
-      <p:sp>
-        <p:nvSpPr>
-          <p:cNvPr id="3" name="Rectangle 64"/>
-          <p:cNvSpPr>
-            <a:spLocks noChangeArrowheads="1"/>
-          </p:cNvSpPr>
-          <p:nvPr/>
-        </p:nvSpPr>
-        <p:spPr bwMode="auto">
-          <a:xfrm>
-            <a:off x="0" y="0"/>
-            <a:ext cx="9144000" cy="0"/>
-          </a:xfrm>
-          <a:prstGeom prst="rect">
-            <a:avLst/>
-          </a:prstGeom>
-          <a:noFill/>
-          <a:ln>
-            <a:noFill/>
-          </a:ln>
-          <a:effectLst/>
-          <a:extLst>
-            <a:ext uri="{909E8E84-426E-40DD-AFC4-6F175D3DCCD1}">
-              <a14:hiddenFill xmlns:a14="http://schemas.microsoft.com/office/drawing/2010/main">
-                <a:solidFill>
-                  <a:schemeClr val="accent1"/>
-                </a:solidFill>
-              </a14:hiddenFill>
-            </a:ext>
-            <a:ext uri="{91240B29-F687-4F45-9708-019B960494DF}">
-              <a14:hiddenLine xmlns:a14="http://schemas.microsoft.com/office/drawing/2010/main" w="9525">
-                <a:solidFill>
-                  <a:schemeClr val="tx1"/>
-                </a:solidFill>
-                <a:miter lim="800000"/>
-                <a:headEnd/>
-                <a:tailEnd/>
-              </a14:hiddenLine>
-            </a:ext>
-            <a:ext uri="{AF507438-7753-43E0-B8FC-AC1667EBCBE1}">
-              <a14:hiddenEffects xmlns:a14="http://schemas.microsoft.com/office/drawing/2010/main">
-                <a:effectLst>
-                  <a:outerShdw dist="35921" dir="2700000" algn="ctr" rotWithShape="0">
-                    <a:schemeClr val="bg2"/>
-                  </a:outerShdw>
-                </a:effectLst>
-              </a14:hiddenEffects>
-            </a:ext>
-          </a:extLst>
-        </p:spPr>
-        <p:txBody>
-          <a:bodyPr vert="horz" wrap="none" lIns="91440" tIns="45720" rIns="91440" bIns="45720" numCol="1" anchor="ctr" anchorCtr="0" compatLnSpc="1">
-            <a:prstTxWarp prst="textNoShape">
-              <a:avLst/>
-            </a:prstTxWarp>
-            <a:spAutoFit/>
-          </a:bodyPr>
-          <a:lstStyle/>
-          <a:p>
-            <a:endParaRPr lang="en-US" dirty="0"/>
-          </a:p>
-        </p:txBody>
-      </p:sp>
-      <p:pic>
-        <p:nvPicPr>
-          <p:cNvPr id="6" name="Picture 5"/>
-          <p:cNvPicPr/>
-          <p:nvPr/>
-        </p:nvPicPr>
-        <p:blipFill>
-          <a:blip r:embed="rId2">
-            <a:extLst>
-              <a:ext uri="{28A0092B-C50C-407E-A947-70E740481C1C}">
-                <a14:useLocalDpi xmlns:a14="http://schemas.microsoft.com/office/drawing/2010/main" val="0"/>
-              </a:ext>
-            </a:extLst>
-          </a:blip>
-          <a:stretch>
-            <a:fillRect/>
-          </a:stretch>
-        </p:blipFill>
-        <p:spPr>
-          <a:xfrm>
-            <a:off x="1600200" y="1458912"/>
-            <a:ext cx="5943600" cy="3940175"/>
-          </a:xfrm>
-          <a:prstGeom prst="rect">
-            <a:avLst/>
-          </a:prstGeom>
-        </p:spPr>
-      </p:pic>
     </p:spTree>
   </p:cSld>
   <p:clrMapOvr>
     <a:masterClrMapping/>
   </p:clrMapOvr>
   <p:transition/>
-  <p:timing>
-    <p:tnLst>
-      <p:par>
-        <p:cTn id="1" dur="indefinite" restart="never" nodeType="tmRoot"/>
-      </p:par>
-    </p:tnLst>
-  </p:timing>
 </p:sld>
 </file>
 
@@ -13363,110 +12408,250 @@
             <a:spLocks noGrp="1"/>
           </p:cNvSpPr>
           <p:nvPr>
-            <p:ph type="ctrTitle"/>
+            <p:ph type="title"/>
           </p:nvPr>
         </p:nvSpPr>
         <p:spPr>
           <a:xfrm>
-            <a:off x="1233488" y="1947863"/>
-            <a:ext cx="6286500" cy="1546225"/>
+            <a:off x="465138" y="-1588"/>
+            <a:ext cx="6265862" cy="1144588"/>
           </a:xfrm>
         </p:spPr>
         <p:txBody>
-          <a:bodyPr>
-            <a:normAutofit/>
-          </a:bodyPr>
+          <a:bodyPr/>
           <a:lstStyle/>
           <a:p>
             <a:pPr eaLnBrk="1" hangingPunct="1">
               <a:defRPr/>
             </a:pPr>
             <a:r>
-              <a:rPr lang="en-US" sz="2000" dirty="0" smtClean="0"/>
-              <a:t>Primary Scope</a:t>
-            </a:r>
-            <a:endParaRPr lang="en-US" sz="2000" dirty="0"/>
+              <a:rPr lang="en-US" dirty="0"/>
+              <a:t>Risk and Mitigation</a:t>
+            </a:r>
           </a:p>
         </p:txBody>
       </p:sp>
       <p:sp>
         <p:nvSpPr>
-          <p:cNvPr id="3" name="Subtitle 2"/>
-          <p:cNvSpPr>
-            <a:spLocks noGrp="1"/>
+          <p:cNvPr id="5" name="Content Placeholder 2"/>
+          <p:cNvSpPr txBox="1">
+            <a:spLocks/>
           </p:cNvSpPr>
-          <p:nvPr>
-            <p:ph type="subTitle" idx="1"/>
-          </p:nvPr>
+          <p:nvPr/>
         </p:nvSpPr>
         <p:spPr>
           <a:xfrm>
-            <a:off x="1233488" y="3551238"/>
-            <a:ext cx="6286500" cy="1630362"/>
-          </a:xfrm>
+            <a:off x="381000" y="1389062"/>
+            <a:ext cx="8534400" cy="4757737"/>
+          </a:xfrm>
+          <a:prstGeom prst="rect">
+            <a:avLst/>
+          </a:prstGeom>
         </p:spPr>
         <p:txBody>
           <a:bodyPr/>
           <a:lstStyle/>
           <a:p>
-            <a:pPr eaLnBrk="1" hangingPunct="1">
+            <a:pPr marL="285750" indent="-285750" defTabSz="455613" fontAlgn="auto">
+              <a:spcBef>
+                <a:spcPts val="2000"/>
+              </a:spcBef>
+              <a:spcAft>
+                <a:spcPts val="0"/>
+              </a:spcAft>
+              <a:buFontTx/>
+              <a:buChar char="-"/>
               <a:defRPr/>
             </a:pPr>
-            <a:r>
-              <a:rPr lang="en-US" dirty="0" smtClean="0"/>
-              <a:t>Onboarding Activities</a:t>
-            </a:r>
-          </a:p>
-          <a:p>
-            <a:pPr eaLnBrk="1" hangingPunct="1">
-              <a:defRPr/>
+            <a:endParaRPr lang="en-US" sz="1600" dirty="0">
+              <a:solidFill>
+                <a:schemeClr val="tx2"/>
+              </a:solidFill>
+              <a:latin typeface="+mn-lt"/>
+              <a:ea typeface="ＭＳ Ｐゴシック" pitchFamily="-65" charset="-128"/>
+              <a:cs typeface="Arial Bold"/>
+            </a:endParaRPr>
+          </a:p>
+        </p:txBody>
+      </p:sp>
+      <p:sp>
+        <p:nvSpPr>
+          <p:cNvPr id="36865" name="Rectangle 1"/>
+          <p:cNvSpPr>
+            <a:spLocks noChangeArrowheads="1"/>
+          </p:cNvSpPr>
+          <p:nvPr/>
+        </p:nvSpPr>
+        <p:spPr bwMode="auto">
+          <a:xfrm>
+            <a:off x="-19050" y="1787842"/>
+            <a:ext cx="9144000" cy="1231106"/>
+          </a:xfrm>
+          <a:prstGeom prst="rect">
+            <a:avLst/>
+          </a:prstGeom>
+          <a:noFill/>
+          <a:ln w="9525">
+            <a:noFill/>
+            <a:miter lim="800000"/>
+            <a:headEnd/>
+            <a:tailEnd/>
+          </a:ln>
+          <a:effectLst/>
+        </p:spPr>
+        <p:txBody>
+          <a:bodyPr vert="horz" wrap="square" lIns="91440" tIns="0" rIns="91440" bIns="0" numCol="1" anchor="ctr" anchorCtr="0" compatLnSpc="1">
+            <a:prstTxWarp prst="textNoShape">
+              <a:avLst/>
+            </a:prstTxWarp>
+            <a:spAutoFit/>
+          </a:bodyPr>
+          <a:lstStyle/>
+          <a:p>
+            <a:pPr marL="285750" marR="0" lvl="0" indent="-285750" algn="l" defTabSz="914400" rtl="0" eaLnBrk="1" fontAlgn="base" latinLnBrk="0" hangingPunct="1">
+              <a:lnSpc>
+                <a:spcPct val="100000"/>
+              </a:lnSpc>
+              <a:spcBef>
+                <a:spcPct val="0"/>
+              </a:spcBef>
+              <a:spcAft>
+                <a:spcPct val="0"/>
+              </a:spcAft>
+              <a:buClrTx/>
+              <a:buSzTx/>
+              <a:buFont typeface="Arial" pitchFamily="34" charset="0"/>
+              <a:buChar char="•"/>
+              <a:tabLst/>
             </a:pPr>
             <a:r>
-              <a:rPr lang="en-US" dirty="0" smtClean="0"/>
-              <a:t>Reminders</a:t>
-            </a:r>
-          </a:p>
-          <a:p>
-            <a:pPr eaLnBrk="1" hangingPunct="1">
-              <a:defRPr/>
+              <a:rPr kumimoji="0" lang="en-US" sz="1600" b="0" i="0" u="none" strike="noStrike" cap="none" normalizeH="0" baseline="0" dirty="0">
+                <a:ln>
+                  <a:noFill/>
+                </a:ln>
+                <a:solidFill>
+                  <a:schemeClr val="tx1"/>
+                </a:solidFill>
+                <a:effectLst/>
+                <a:latin typeface="+mn-lt"/>
+                <a:ea typeface="Calibri" pitchFamily="34" charset="0"/>
+                <a:cs typeface="Times New Roman" pitchFamily="18" charset="0"/>
+              </a:rPr>
+              <a:t>Technology Challenges </a:t>
+            </a:r>
+          </a:p>
+          <a:p>
+            <a:pPr marR="0" lvl="0" algn="l" defTabSz="914400" rtl="0" eaLnBrk="1" fontAlgn="base" latinLnBrk="0" hangingPunct="1">
+              <a:lnSpc>
+                <a:spcPct val="100000"/>
+              </a:lnSpc>
+              <a:spcBef>
+                <a:spcPct val="0"/>
+              </a:spcBef>
+              <a:spcAft>
+                <a:spcPct val="0"/>
+              </a:spcAft>
+              <a:buClrTx/>
+              <a:buSzTx/>
+              <a:tabLst/>
             </a:pPr>
             <a:r>
-              <a:rPr lang="en-US" dirty="0" smtClean="0"/>
-              <a:t>Reports</a:t>
-            </a:r>
-          </a:p>
-          <a:p>
-            <a:pPr eaLnBrk="1" hangingPunct="1">
-              <a:defRPr/>
+              <a:rPr kumimoji="0" lang="en-US" sz="1600" b="0" i="0" u="none" strike="noStrike" cap="none" normalizeH="0" baseline="0" dirty="0">
+                <a:ln>
+                  <a:noFill/>
+                </a:ln>
+                <a:solidFill>
+                  <a:schemeClr val="tx1"/>
+                </a:solidFill>
+                <a:effectLst/>
+                <a:latin typeface="+mn-lt"/>
+                <a:cs typeface="Arial" pitchFamily="34" charset="0"/>
+              </a:rPr>
+              <a:t> </a:t>
+            </a:r>
+          </a:p>
+          <a:p>
+            <a:pPr lvl="1" defTabSz="914400" eaLnBrk="0" hangingPunct="0">
+              <a:buFont typeface="Wingdings" pitchFamily="2" charset="2"/>
+              <a:buChar char="Ø"/>
             </a:pPr>
             <a:r>
-              <a:rPr lang="en-US" dirty="0" smtClean="0"/>
-              <a:t>Project </a:t>
-            </a:r>
-            <a:r>
-              <a:rPr lang="en-US" dirty="0"/>
-              <a:t>M</a:t>
-            </a:r>
-            <a:r>
-              <a:rPr lang="en-US" dirty="0" smtClean="0"/>
-              <a:t>anagement Activities</a:t>
-            </a:r>
+              <a:rPr lang="en-US" sz="1600" baseline="0" dirty="0">
+                <a:latin typeface="+mn-lt"/>
+                <a:ea typeface="Calibri" pitchFamily="34" charset="0"/>
+                <a:cs typeface="Times New Roman" pitchFamily="18" charset="0"/>
+              </a:rPr>
+              <a:t>Get</a:t>
+            </a:r>
+            <a:r>
+              <a:rPr lang="en-US" sz="1600" dirty="0">
+                <a:latin typeface="+mn-lt"/>
+                <a:ea typeface="Calibri" pitchFamily="34" charset="0"/>
+                <a:cs typeface="Times New Roman" pitchFamily="18" charset="0"/>
+              </a:rPr>
+              <a:t> help from a lead on </a:t>
+            </a:r>
+            <a:r>
+              <a:rPr lang="en-US" sz="1600" dirty="0">
+                <a:ea typeface="Calibri" pitchFamily="34" charset="0"/>
+                <a:cs typeface="Times New Roman" pitchFamily="18" charset="0"/>
+              </a:rPr>
+              <a:t>ReactJS</a:t>
+            </a:r>
+          </a:p>
+          <a:p>
+            <a:pPr lvl="1" defTabSz="914400" eaLnBrk="0" hangingPunct="0">
+              <a:buFont typeface="Wingdings" pitchFamily="2" charset="2"/>
+              <a:buChar char="Ø"/>
+            </a:pPr>
+            <a:r>
+              <a:rPr lang="en-US" sz="1600" dirty="0">
+                <a:latin typeface="+mn-lt"/>
+                <a:ea typeface="Calibri" pitchFamily="34" charset="0"/>
+                <a:cs typeface="Times New Roman" pitchFamily="18" charset="0"/>
+              </a:rPr>
+              <a:t>Exploring Business Rules in Mule</a:t>
+            </a:r>
+            <a:endParaRPr kumimoji="0" lang="en-US" sz="1600" b="0" i="0" u="none" strike="noStrike" cap="none" normalizeH="0" baseline="0" dirty="0">
+              <a:ln>
+                <a:noFill/>
+              </a:ln>
+              <a:solidFill>
+                <a:schemeClr val="tx1"/>
+              </a:solidFill>
+              <a:effectLst/>
+              <a:latin typeface="+mn-lt"/>
+              <a:ea typeface="Calibri" pitchFamily="34" charset="0"/>
+              <a:cs typeface="Times New Roman" pitchFamily="18" charset="0"/>
+            </a:endParaRPr>
+          </a:p>
+          <a:p>
+            <a:pPr defTabSz="914400" eaLnBrk="0" hangingPunct="0"/>
+            <a:endParaRPr kumimoji="0" lang="en-US" sz="1600" b="0" i="0" u="none" strike="noStrike" cap="none" normalizeH="0" baseline="0" dirty="0">
+              <a:ln>
+                <a:noFill/>
+              </a:ln>
+              <a:solidFill>
+                <a:schemeClr val="tx1"/>
+              </a:solidFill>
+              <a:effectLst/>
+              <a:latin typeface="+mn-lt"/>
+              <a:cs typeface="Arial" pitchFamily="34" charset="0"/>
+            </a:endParaRPr>
           </a:p>
         </p:txBody>
       </p:sp>
     </p:spTree>
+    <p:extLst>
+      <p:ext uri="{BB962C8B-B14F-4D97-AF65-F5344CB8AC3E}">
+        <p14:creationId xmlns:p14="http://schemas.microsoft.com/office/powerpoint/2010/main" val="1861370450"/>
+      </p:ext>
+    </p:extLst>
   </p:cSld>
   <p:clrMapOvr>
     <a:masterClrMapping/>
   </p:clrMapOvr>
   <p:transition/>
-  <p:timing>
-    <p:tnLst>
-      <p:par>
-        <p:cTn id="1" dur="indefinite" restart="never" nodeType="tmRoot"/>
-      </p:par>
-    </p:tnLst>
-  </p:timing>
 </p:sld>
 </file>
 
